--- a/Документация/Презентация.pptx
+++ b/Документация/Презентация.pptx
@@ -1,9 +1,12 @@
 
 <file path=ppt/presentation.xml><?xml version="1.0" encoding="utf-8"?>
-<p:presentation xmlns:a="http://schemas.openxmlformats.org/drawingml/2006/main" xmlns:r="http://schemas.openxmlformats.org/officeDocument/2006/relationships" xmlns:p="http://schemas.openxmlformats.org/presentationml/2006/main" saveSubsetFonts="1">
+<p:presentation xmlns:a="http://schemas.openxmlformats.org/drawingml/2006/main" xmlns:r="http://schemas.openxmlformats.org/officeDocument/2006/relationships" xmlns:p="http://schemas.openxmlformats.org/presentationml/2006/main" showSpecialPlsOnTitleSld="0" saveSubsetFonts="1">
   <p:sldMasterIdLst>
     <p:sldMasterId id="2147483648" r:id="rId1"/>
   </p:sldMasterIdLst>
+  <p:notesMasterIdLst>
+    <p:notesMasterId r:id="rId18"/>
+  </p:notesMasterIdLst>
   <p:sldIdLst>
     <p:sldId id="256" r:id="rId2"/>
     <p:sldId id="257" r:id="rId3"/>
@@ -11,17 +14,16 @@
     <p:sldId id="259" r:id="rId5"/>
     <p:sldId id="260" r:id="rId6"/>
     <p:sldId id="261" r:id="rId7"/>
-    <p:sldId id="263" r:id="rId8"/>
-    <p:sldId id="262" r:id="rId9"/>
+    <p:sldId id="262" r:id="rId8"/>
+    <p:sldId id="273" r:id="rId9"/>
     <p:sldId id="264" r:id="rId10"/>
     <p:sldId id="265" r:id="rId11"/>
     <p:sldId id="266" r:id="rId12"/>
     <p:sldId id="267" r:id="rId13"/>
-    <p:sldId id="272" r:id="rId14"/>
-    <p:sldId id="268" r:id="rId15"/>
-    <p:sldId id="269" r:id="rId16"/>
-    <p:sldId id="270" r:id="rId17"/>
-    <p:sldId id="271" r:id="rId18"/>
+    <p:sldId id="268" r:id="rId14"/>
+    <p:sldId id="269" r:id="rId15"/>
+    <p:sldId id="270" r:id="rId16"/>
+    <p:sldId id="274" r:id="rId17"/>
   </p:sldIdLst>
   <p:sldSz cx="12192000" cy="6858000"/>
   <p:notesSz cx="6858000" cy="9144000"/>
@@ -131,17 +133,16 @@
             <p14:sldId id="259"/>
             <p14:sldId id="260"/>
             <p14:sldId id="261"/>
-            <p14:sldId id="263"/>
             <p14:sldId id="262"/>
+            <p14:sldId id="273"/>
             <p14:sldId id="264"/>
             <p14:sldId id="265"/>
             <p14:sldId id="266"/>
             <p14:sldId id="267"/>
-            <p14:sldId id="272"/>
             <p14:sldId id="268"/>
             <p14:sldId id="269"/>
             <p14:sldId id="270"/>
-            <p14:sldId id="271"/>
+            <p14:sldId id="274"/>
           </p14:sldIdLst>
         </p14:section>
       </p14:sectionLst>
@@ -151,6 +152,524 @@
     </p:ext>
   </p:extLst>
 </p:presentation>
+</file>
+
+<file path=ppt/notesMasters/notesMaster1.xml><?xml version="1.0" encoding="utf-8"?>
+<p:notesMaster xmlns:a="http://schemas.openxmlformats.org/drawingml/2006/main" xmlns:r="http://schemas.openxmlformats.org/officeDocument/2006/relationships" xmlns:p="http://schemas.openxmlformats.org/presentationml/2006/main">
+  <p:cSld>
+    <p:bg>
+      <p:bgRef idx="1001">
+        <a:schemeClr val="bg1"/>
+      </p:bgRef>
+    </p:bg>
+    <p:spTree>
+      <p:nvGrpSpPr>
+        <p:cNvPr id="1" name=""/>
+        <p:cNvGrpSpPr/>
+        <p:nvPr/>
+      </p:nvGrpSpPr>
+      <p:grpSpPr>
+        <a:xfrm>
+          <a:off x="0" y="0"/>
+          <a:ext cx="0" cy="0"/>
+          <a:chOff x="0" y="0"/>
+          <a:chExt cx="0" cy="0"/>
+        </a:xfrm>
+      </p:grpSpPr>
+      <p:sp>
+        <p:nvSpPr>
+          <p:cNvPr id="2" name="Верхний колонтитул 1"/>
+          <p:cNvSpPr>
+            <a:spLocks noGrp="1"/>
+          </p:cNvSpPr>
+          <p:nvPr>
+            <p:ph type="hdr" sz="quarter"/>
+          </p:nvPr>
+        </p:nvSpPr>
+        <p:spPr>
+          <a:xfrm>
+            <a:off x="0" y="0"/>
+            <a:ext cx="2971800" cy="458788"/>
+          </a:xfrm>
+          <a:prstGeom prst="rect">
+            <a:avLst/>
+          </a:prstGeom>
+        </p:spPr>
+        <p:txBody>
+          <a:bodyPr vert="horz" lIns="91440" tIns="45720" rIns="91440" bIns="45720" rtlCol="0"/>
+          <a:lstStyle>
+            <a:lvl1pPr algn="l">
+              <a:defRPr sz="1200"/>
+            </a:lvl1pPr>
+          </a:lstStyle>
+          <a:p>
+            <a:endParaRPr lang="ru-RU"/>
+          </a:p>
+        </p:txBody>
+      </p:sp>
+      <p:sp>
+        <p:nvSpPr>
+          <p:cNvPr id="3" name="Дата 2"/>
+          <p:cNvSpPr>
+            <a:spLocks noGrp="1"/>
+          </p:cNvSpPr>
+          <p:nvPr>
+            <p:ph type="dt" idx="1"/>
+          </p:nvPr>
+        </p:nvSpPr>
+        <p:spPr>
+          <a:xfrm>
+            <a:off x="3884613" y="0"/>
+            <a:ext cx="2971800" cy="458788"/>
+          </a:xfrm>
+          <a:prstGeom prst="rect">
+            <a:avLst/>
+          </a:prstGeom>
+        </p:spPr>
+        <p:txBody>
+          <a:bodyPr vert="horz" lIns="91440" tIns="45720" rIns="91440" bIns="45720" rtlCol="0"/>
+          <a:lstStyle>
+            <a:lvl1pPr algn="r">
+              <a:defRPr sz="1200"/>
+            </a:lvl1pPr>
+          </a:lstStyle>
+          <a:p>
+            <a:fld id="{C4766771-ACE0-4871-B10F-06B99850B214}" type="datetimeFigureOut">
+              <a:rPr lang="ru-RU" smtClean="0"/>
+              <a:t>06.06.2019</a:t>
+            </a:fld>
+            <a:endParaRPr lang="ru-RU"/>
+          </a:p>
+        </p:txBody>
+      </p:sp>
+      <p:sp>
+        <p:nvSpPr>
+          <p:cNvPr id="4" name="Образ слайда 3"/>
+          <p:cNvSpPr>
+            <a:spLocks noGrp="1" noRot="1" noChangeAspect="1"/>
+          </p:cNvSpPr>
+          <p:nvPr>
+            <p:ph type="sldImg" idx="2"/>
+          </p:nvPr>
+        </p:nvSpPr>
+        <p:spPr>
+          <a:xfrm>
+            <a:off x="685800" y="1143000"/>
+            <a:ext cx="5486400" cy="3086100"/>
+          </a:xfrm>
+          <a:prstGeom prst="rect">
+            <a:avLst/>
+          </a:prstGeom>
+          <a:noFill/>
+          <a:ln w="12700">
+            <a:solidFill>
+              <a:prstClr val="black"/>
+            </a:solidFill>
+          </a:ln>
+        </p:spPr>
+        <p:txBody>
+          <a:bodyPr vert="horz" lIns="91440" tIns="45720" rIns="91440" bIns="45720" rtlCol="0" anchor="ctr"/>
+          <a:lstStyle/>
+          <a:p>
+            <a:endParaRPr lang="ru-RU"/>
+          </a:p>
+        </p:txBody>
+      </p:sp>
+      <p:sp>
+        <p:nvSpPr>
+          <p:cNvPr id="5" name="Заметки 4"/>
+          <p:cNvSpPr>
+            <a:spLocks noGrp="1"/>
+          </p:cNvSpPr>
+          <p:nvPr>
+            <p:ph type="body" sz="quarter" idx="3"/>
+          </p:nvPr>
+        </p:nvSpPr>
+        <p:spPr>
+          <a:xfrm>
+            <a:off x="685800" y="4400550"/>
+            <a:ext cx="5486400" cy="3600450"/>
+          </a:xfrm>
+          <a:prstGeom prst="rect">
+            <a:avLst/>
+          </a:prstGeom>
+        </p:spPr>
+        <p:txBody>
+          <a:bodyPr vert="horz" lIns="91440" tIns="45720" rIns="91440" bIns="45720" rtlCol="0"/>
+          <a:lstStyle/>
+          <a:p>
+            <a:pPr lvl="0"/>
+            <a:r>
+              <a:rPr lang="ru-RU" smtClean="0"/>
+              <a:t>Образец текста</a:t>
+            </a:r>
+          </a:p>
+          <a:p>
+            <a:pPr lvl="1"/>
+            <a:r>
+              <a:rPr lang="ru-RU" smtClean="0"/>
+              <a:t>Второй уровень</a:t>
+            </a:r>
+          </a:p>
+          <a:p>
+            <a:pPr lvl="2"/>
+            <a:r>
+              <a:rPr lang="ru-RU" smtClean="0"/>
+              <a:t>Третий уровень</a:t>
+            </a:r>
+          </a:p>
+          <a:p>
+            <a:pPr lvl="3"/>
+            <a:r>
+              <a:rPr lang="ru-RU" smtClean="0"/>
+              <a:t>Четвертый уровень</a:t>
+            </a:r>
+          </a:p>
+          <a:p>
+            <a:pPr lvl="4"/>
+            <a:r>
+              <a:rPr lang="ru-RU" smtClean="0"/>
+              <a:t>Пятый уровень</a:t>
+            </a:r>
+            <a:endParaRPr lang="ru-RU"/>
+          </a:p>
+        </p:txBody>
+      </p:sp>
+      <p:sp>
+        <p:nvSpPr>
+          <p:cNvPr id="6" name="Нижний колонтитул 5"/>
+          <p:cNvSpPr>
+            <a:spLocks noGrp="1"/>
+          </p:cNvSpPr>
+          <p:nvPr>
+            <p:ph type="ftr" sz="quarter" idx="4"/>
+          </p:nvPr>
+        </p:nvSpPr>
+        <p:spPr>
+          <a:xfrm>
+            <a:off x="0" y="8685213"/>
+            <a:ext cx="2971800" cy="458787"/>
+          </a:xfrm>
+          <a:prstGeom prst="rect">
+            <a:avLst/>
+          </a:prstGeom>
+        </p:spPr>
+        <p:txBody>
+          <a:bodyPr vert="horz" lIns="91440" tIns="45720" rIns="91440" bIns="45720" rtlCol="0" anchor="b"/>
+          <a:lstStyle>
+            <a:lvl1pPr algn="l">
+              <a:defRPr sz="1200"/>
+            </a:lvl1pPr>
+          </a:lstStyle>
+          <a:p>
+            <a:endParaRPr lang="ru-RU"/>
+          </a:p>
+        </p:txBody>
+      </p:sp>
+      <p:sp>
+        <p:nvSpPr>
+          <p:cNvPr id="7" name="Номер слайда 6"/>
+          <p:cNvSpPr>
+            <a:spLocks noGrp="1"/>
+          </p:cNvSpPr>
+          <p:nvPr>
+            <p:ph type="sldNum" sz="quarter" idx="5"/>
+          </p:nvPr>
+        </p:nvSpPr>
+        <p:spPr>
+          <a:xfrm>
+            <a:off x="3884613" y="8685213"/>
+            <a:ext cx="2971800" cy="458787"/>
+          </a:xfrm>
+          <a:prstGeom prst="rect">
+            <a:avLst/>
+          </a:prstGeom>
+        </p:spPr>
+        <p:txBody>
+          <a:bodyPr vert="horz" lIns="91440" tIns="45720" rIns="91440" bIns="45720" rtlCol="0" anchor="b"/>
+          <a:lstStyle>
+            <a:lvl1pPr algn="r">
+              <a:defRPr sz="1200"/>
+            </a:lvl1pPr>
+          </a:lstStyle>
+          <a:p>
+            <a:fld id="{2FA443D2-FBB8-4C79-859B-67E91099354C}" type="slidenum">
+              <a:rPr lang="ru-RU" smtClean="0"/>
+              <a:t>‹#›</a:t>
+            </a:fld>
+            <a:endParaRPr lang="ru-RU"/>
+          </a:p>
+        </p:txBody>
+      </p:sp>
+    </p:spTree>
+    <p:extLst>
+      <p:ext uri="{BB962C8B-B14F-4D97-AF65-F5344CB8AC3E}">
+        <p14:creationId xmlns:p14="http://schemas.microsoft.com/office/powerpoint/2010/main" val="4289370067"/>
+      </p:ext>
+    </p:extLst>
+  </p:cSld>
+  <p:clrMap bg1="lt1" tx1="dk1" bg2="lt2" tx2="dk2" accent1="accent1" accent2="accent2" accent3="accent3" accent4="accent4" accent5="accent5" accent6="accent6" hlink="hlink" folHlink="folHlink"/>
+  <p:notesStyle>
+    <a:lvl1pPr marL="0" algn="l" defTabSz="914400" rtl="0" eaLnBrk="1" latinLnBrk="0" hangingPunct="1">
+      <a:defRPr sz="1200" kern="1200">
+        <a:solidFill>
+          <a:schemeClr val="tx1"/>
+        </a:solidFill>
+        <a:latin typeface="+mn-lt"/>
+        <a:ea typeface="+mn-ea"/>
+        <a:cs typeface="+mn-cs"/>
+      </a:defRPr>
+    </a:lvl1pPr>
+    <a:lvl2pPr marL="457200" algn="l" defTabSz="914400" rtl="0" eaLnBrk="1" latinLnBrk="0" hangingPunct="1">
+      <a:defRPr sz="1200" kern="1200">
+        <a:solidFill>
+          <a:schemeClr val="tx1"/>
+        </a:solidFill>
+        <a:latin typeface="+mn-lt"/>
+        <a:ea typeface="+mn-ea"/>
+        <a:cs typeface="+mn-cs"/>
+      </a:defRPr>
+    </a:lvl2pPr>
+    <a:lvl3pPr marL="914400" algn="l" defTabSz="914400" rtl="0" eaLnBrk="1" latinLnBrk="0" hangingPunct="1">
+      <a:defRPr sz="1200" kern="1200">
+        <a:solidFill>
+          <a:schemeClr val="tx1"/>
+        </a:solidFill>
+        <a:latin typeface="+mn-lt"/>
+        <a:ea typeface="+mn-ea"/>
+        <a:cs typeface="+mn-cs"/>
+      </a:defRPr>
+    </a:lvl3pPr>
+    <a:lvl4pPr marL="1371600" algn="l" defTabSz="914400" rtl="0" eaLnBrk="1" latinLnBrk="0" hangingPunct="1">
+      <a:defRPr sz="1200" kern="1200">
+        <a:solidFill>
+          <a:schemeClr val="tx1"/>
+        </a:solidFill>
+        <a:latin typeface="+mn-lt"/>
+        <a:ea typeface="+mn-ea"/>
+        <a:cs typeface="+mn-cs"/>
+      </a:defRPr>
+    </a:lvl4pPr>
+    <a:lvl5pPr marL="1828800" algn="l" defTabSz="914400" rtl="0" eaLnBrk="1" latinLnBrk="0" hangingPunct="1">
+      <a:defRPr sz="1200" kern="1200">
+        <a:solidFill>
+          <a:schemeClr val="tx1"/>
+        </a:solidFill>
+        <a:latin typeface="+mn-lt"/>
+        <a:ea typeface="+mn-ea"/>
+        <a:cs typeface="+mn-cs"/>
+      </a:defRPr>
+    </a:lvl5pPr>
+    <a:lvl6pPr marL="2286000" algn="l" defTabSz="914400" rtl="0" eaLnBrk="1" latinLnBrk="0" hangingPunct="1">
+      <a:defRPr sz="1200" kern="1200">
+        <a:solidFill>
+          <a:schemeClr val="tx1"/>
+        </a:solidFill>
+        <a:latin typeface="+mn-lt"/>
+        <a:ea typeface="+mn-ea"/>
+        <a:cs typeface="+mn-cs"/>
+      </a:defRPr>
+    </a:lvl6pPr>
+    <a:lvl7pPr marL="2743200" algn="l" defTabSz="914400" rtl="0" eaLnBrk="1" latinLnBrk="0" hangingPunct="1">
+      <a:defRPr sz="1200" kern="1200">
+        <a:solidFill>
+          <a:schemeClr val="tx1"/>
+        </a:solidFill>
+        <a:latin typeface="+mn-lt"/>
+        <a:ea typeface="+mn-ea"/>
+        <a:cs typeface="+mn-cs"/>
+      </a:defRPr>
+    </a:lvl7pPr>
+    <a:lvl8pPr marL="3200400" algn="l" defTabSz="914400" rtl="0" eaLnBrk="1" latinLnBrk="0" hangingPunct="1">
+      <a:defRPr sz="1200" kern="1200">
+        <a:solidFill>
+          <a:schemeClr val="tx1"/>
+        </a:solidFill>
+        <a:latin typeface="+mn-lt"/>
+        <a:ea typeface="+mn-ea"/>
+        <a:cs typeface="+mn-cs"/>
+      </a:defRPr>
+    </a:lvl8pPr>
+    <a:lvl9pPr marL="3657600" algn="l" defTabSz="914400" rtl="0" eaLnBrk="1" latinLnBrk="0" hangingPunct="1">
+      <a:defRPr sz="1200" kern="1200">
+        <a:solidFill>
+          <a:schemeClr val="tx1"/>
+        </a:solidFill>
+        <a:latin typeface="+mn-lt"/>
+        <a:ea typeface="+mn-ea"/>
+        <a:cs typeface="+mn-cs"/>
+      </a:defRPr>
+    </a:lvl9pPr>
+  </p:notesStyle>
+</p:notesMaster>
+</file>
+
+<file path=ppt/notesSlides/notesSlide1.xml><?xml version="1.0" encoding="utf-8"?>
+<p:notes xmlns:a="http://schemas.openxmlformats.org/drawingml/2006/main" xmlns:r="http://schemas.openxmlformats.org/officeDocument/2006/relationships" xmlns:p="http://schemas.openxmlformats.org/presentationml/2006/main">
+  <p:cSld>
+    <p:spTree>
+      <p:nvGrpSpPr>
+        <p:cNvPr id="1" name=""/>
+        <p:cNvGrpSpPr/>
+        <p:nvPr/>
+      </p:nvGrpSpPr>
+      <p:grpSpPr>
+        <a:xfrm>
+          <a:off x="0" y="0"/>
+          <a:ext cx="0" cy="0"/>
+          <a:chOff x="0" y="0"/>
+          <a:chExt cx="0" cy="0"/>
+        </a:xfrm>
+      </p:grpSpPr>
+      <p:sp>
+        <p:nvSpPr>
+          <p:cNvPr id="2" name="Образ слайда 1"/>
+          <p:cNvSpPr>
+            <a:spLocks noGrp="1" noRot="1" noChangeAspect="1"/>
+          </p:cNvSpPr>
+          <p:nvPr>
+            <p:ph type="sldImg"/>
+          </p:nvPr>
+        </p:nvSpPr>
+        <p:spPr/>
+      </p:sp>
+      <p:sp>
+        <p:nvSpPr>
+          <p:cNvPr id="3" name="Заметки 2"/>
+          <p:cNvSpPr>
+            <a:spLocks noGrp="1"/>
+          </p:cNvSpPr>
+          <p:nvPr>
+            <p:ph type="body" idx="1"/>
+          </p:nvPr>
+        </p:nvSpPr>
+        <p:spPr/>
+        <p:txBody>
+          <a:bodyPr/>
+          <a:lstStyle/>
+          <a:p>
+            <a:endParaRPr lang="ru-RU"/>
+          </a:p>
+        </p:txBody>
+      </p:sp>
+      <p:sp>
+        <p:nvSpPr>
+          <p:cNvPr id="4" name="Номер слайда 3"/>
+          <p:cNvSpPr>
+            <a:spLocks noGrp="1"/>
+          </p:cNvSpPr>
+          <p:nvPr>
+            <p:ph type="sldNum" sz="quarter" idx="10"/>
+          </p:nvPr>
+        </p:nvSpPr>
+        <p:spPr/>
+        <p:txBody>
+          <a:bodyPr/>
+          <a:lstStyle/>
+          <a:p>
+            <a:fld id="{2FA443D2-FBB8-4C79-859B-67E91099354C}" type="slidenum">
+              <a:rPr lang="ru-RU" smtClean="0"/>
+              <a:t>1</a:t>
+            </a:fld>
+            <a:endParaRPr lang="ru-RU"/>
+          </a:p>
+        </p:txBody>
+      </p:sp>
+    </p:spTree>
+    <p:extLst>
+      <p:ext uri="{BB962C8B-B14F-4D97-AF65-F5344CB8AC3E}">
+        <p14:creationId xmlns:p14="http://schemas.microsoft.com/office/powerpoint/2010/main" val="3392223097"/>
+      </p:ext>
+    </p:extLst>
+  </p:cSld>
+  <p:clrMapOvr>
+    <a:masterClrMapping/>
+  </p:clrMapOvr>
+</p:notes>
+</file>
+
+<file path=ppt/notesSlides/notesSlide2.xml><?xml version="1.0" encoding="utf-8"?>
+<p:notes xmlns:a="http://schemas.openxmlformats.org/drawingml/2006/main" xmlns:r="http://schemas.openxmlformats.org/officeDocument/2006/relationships" xmlns:p="http://schemas.openxmlformats.org/presentationml/2006/main">
+  <p:cSld>
+    <p:spTree>
+      <p:nvGrpSpPr>
+        <p:cNvPr id="1" name=""/>
+        <p:cNvGrpSpPr/>
+        <p:nvPr/>
+      </p:nvGrpSpPr>
+      <p:grpSpPr>
+        <a:xfrm>
+          <a:off x="0" y="0"/>
+          <a:ext cx="0" cy="0"/>
+          <a:chOff x="0" y="0"/>
+          <a:chExt cx="0" cy="0"/>
+        </a:xfrm>
+      </p:grpSpPr>
+      <p:sp>
+        <p:nvSpPr>
+          <p:cNvPr id="2" name="Образ слайда 1"/>
+          <p:cNvSpPr>
+            <a:spLocks noGrp="1" noRot="1" noChangeAspect="1"/>
+          </p:cNvSpPr>
+          <p:nvPr>
+            <p:ph type="sldImg"/>
+          </p:nvPr>
+        </p:nvSpPr>
+        <p:spPr/>
+      </p:sp>
+      <p:sp>
+        <p:nvSpPr>
+          <p:cNvPr id="3" name="Заметки 2"/>
+          <p:cNvSpPr>
+            <a:spLocks noGrp="1"/>
+          </p:cNvSpPr>
+          <p:nvPr>
+            <p:ph type="body" idx="1"/>
+          </p:nvPr>
+        </p:nvSpPr>
+        <p:spPr/>
+        <p:txBody>
+          <a:bodyPr/>
+          <a:lstStyle/>
+          <a:p>
+            <a:endParaRPr lang="ru-RU"/>
+          </a:p>
+        </p:txBody>
+      </p:sp>
+      <p:sp>
+        <p:nvSpPr>
+          <p:cNvPr id="4" name="Номер слайда 3"/>
+          <p:cNvSpPr>
+            <a:spLocks noGrp="1"/>
+          </p:cNvSpPr>
+          <p:nvPr>
+            <p:ph type="sldNum" sz="quarter" idx="10"/>
+          </p:nvPr>
+        </p:nvSpPr>
+        <p:spPr/>
+        <p:txBody>
+          <a:bodyPr/>
+          <a:lstStyle/>
+          <a:p>
+            <a:fld id="{2FA443D2-FBB8-4C79-859B-67E91099354C}" type="slidenum">
+              <a:rPr lang="ru-RU" smtClean="0"/>
+              <a:t>16</a:t>
+            </a:fld>
+            <a:endParaRPr lang="ru-RU"/>
+          </a:p>
+        </p:txBody>
+      </p:sp>
+    </p:spTree>
+    <p:extLst>
+      <p:ext uri="{BB962C8B-B14F-4D97-AF65-F5344CB8AC3E}">
+        <p14:creationId xmlns:p14="http://schemas.microsoft.com/office/powerpoint/2010/main" val="3542991604"/>
+      </p:ext>
+    </p:extLst>
+  </p:cSld>
+  <p:clrMapOvr>
+    <a:masterClrMapping/>
+  </p:clrMapOvr>
+</p:notes>
 </file>
 
 <file path=ppt/slideLayouts/slideLayout1.xml><?xml version="1.0" encoding="utf-8"?>
@@ -282,9 +801,9 @@
           <a:bodyPr/>
           <a:lstStyle/>
           <a:p>
-            <a:fld id="{0E9CA226-A913-4257-BCDF-6B13D2AD6BEA}" type="datetimeFigureOut">
-              <a:rPr lang="ru-RU" smtClean="0"/>
-              <a:t>04.06.2019</a:t>
+            <a:fld id="{C2EA30E1-D7BB-4016-962F-DC66739895B5}" type="datetime1">
+              <a:rPr lang="ru-RU" smtClean="0"/>
+              <a:t>06.06.2019</a:t>
             </a:fld>
             <a:endParaRPr lang="ru-RU"/>
           </a:p>
@@ -452,9 +971,9 @@
           <a:bodyPr/>
           <a:lstStyle/>
           <a:p>
-            <a:fld id="{0E9CA226-A913-4257-BCDF-6B13D2AD6BEA}" type="datetimeFigureOut">
-              <a:rPr lang="ru-RU" smtClean="0"/>
-              <a:t>04.06.2019</a:t>
+            <a:fld id="{B162AA68-CCC6-4441-A2F9-4EAAEE55455C}" type="datetime1">
+              <a:rPr lang="ru-RU" smtClean="0"/>
+              <a:t>06.06.2019</a:t>
             </a:fld>
             <a:endParaRPr lang="ru-RU"/>
           </a:p>
@@ -632,9 +1151,9 @@
           <a:bodyPr/>
           <a:lstStyle/>
           <a:p>
-            <a:fld id="{0E9CA226-A913-4257-BCDF-6B13D2AD6BEA}" type="datetimeFigureOut">
-              <a:rPr lang="ru-RU" smtClean="0"/>
-              <a:t>04.06.2019</a:t>
+            <a:fld id="{3D5F0F1C-79D2-48A4-A8DC-EB16E75ED6F2}" type="datetime1">
+              <a:rPr lang="ru-RU" smtClean="0"/>
+              <a:t>06.06.2019</a:t>
             </a:fld>
             <a:endParaRPr lang="ru-RU"/>
           </a:p>
@@ -802,9 +1321,9 @@
           <a:bodyPr/>
           <a:lstStyle/>
           <a:p>
-            <a:fld id="{0E9CA226-A913-4257-BCDF-6B13D2AD6BEA}" type="datetimeFigureOut">
-              <a:rPr lang="ru-RU" smtClean="0"/>
-              <a:t>04.06.2019</a:t>
+            <a:fld id="{3D834187-8061-4060-AF0E-0BF9C3B269E1}" type="datetime1">
+              <a:rPr lang="ru-RU" smtClean="0"/>
+              <a:t>06.06.2019</a:t>
             </a:fld>
             <a:endParaRPr lang="ru-RU"/>
           </a:p>
@@ -1048,9 +1567,9 @@
           <a:bodyPr/>
           <a:lstStyle/>
           <a:p>
-            <a:fld id="{0E9CA226-A913-4257-BCDF-6B13D2AD6BEA}" type="datetimeFigureOut">
-              <a:rPr lang="ru-RU" smtClean="0"/>
-              <a:t>04.06.2019</a:t>
+            <a:fld id="{67704A8E-4FD5-40F4-9844-42528FBE8BC8}" type="datetime1">
+              <a:rPr lang="ru-RU" smtClean="0"/>
+              <a:t>06.06.2019</a:t>
             </a:fld>
             <a:endParaRPr lang="ru-RU"/>
           </a:p>
@@ -1280,9 +1799,9 @@
           <a:bodyPr/>
           <a:lstStyle/>
           <a:p>
-            <a:fld id="{0E9CA226-A913-4257-BCDF-6B13D2AD6BEA}" type="datetimeFigureOut">
-              <a:rPr lang="ru-RU" smtClean="0"/>
-              <a:t>04.06.2019</a:t>
+            <a:fld id="{B4622B05-2CC5-4CD8-AA9F-9DE40EE1056A}" type="datetime1">
+              <a:rPr lang="ru-RU" smtClean="0"/>
+              <a:t>06.06.2019</a:t>
             </a:fld>
             <a:endParaRPr lang="ru-RU"/>
           </a:p>
@@ -1647,9 +2166,9 @@
           <a:bodyPr/>
           <a:lstStyle/>
           <a:p>
-            <a:fld id="{0E9CA226-A913-4257-BCDF-6B13D2AD6BEA}" type="datetimeFigureOut">
-              <a:rPr lang="ru-RU" smtClean="0"/>
-              <a:t>04.06.2019</a:t>
+            <a:fld id="{27A3E7B5-EF5E-4E36-853C-F737E0439D3E}" type="datetime1">
+              <a:rPr lang="ru-RU" smtClean="0"/>
+              <a:t>06.06.2019</a:t>
             </a:fld>
             <a:endParaRPr lang="ru-RU"/>
           </a:p>
@@ -1765,9 +2284,9 @@
           <a:bodyPr/>
           <a:lstStyle/>
           <a:p>
-            <a:fld id="{0E9CA226-A913-4257-BCDF-6B13D2AD6BEA}" type="datetimeFigureOut">
-              <a:rPr lang="ru-RU" smtClean="0"/>
-              <a:t>04.06.2019</a:t>
+            <a:fld id="{86A6E878-A74D-47B3-A262-4FFDDEA31C27}" type="datetime1">
+              <a:rPr lang="ru-RU" smtClean="0"/>
+              <a:t>06.06.2019</a:t>
             </a:fld>
             <a:endParaRPr lang="ru-RU"/>
           </a:p>
@@ -1860,9 +2379,9 @@
           <a:bodyPr/>
           <a:lstStyle/>
           <a:p>
-            <a:fld id="{0E9CA226-A913-4257-BCDF-6B13D2AD6BEA}" type="datetimeFigureOut">
-              <a:rPr lang="ru-RU" smtClean="0"/>
-              <a:t>04.06.2019</a:t>
+            <a:fld id="{72FFA6E4-9C9D-43E6-834F-7C9792CF6261}" type="datetime1">
+              <a:rPr lang="ru-RU" smtClean="0"/>
+              <a:t>06.06.2019</a:t>
             </a:fld>
             <a:endParaRPr lang="ru-RU"/>
           </a:p>
@@ -2137,9 +2656,9 @@
           <a:bodyPr/>
           <a:lstStyle/>
           <a:p>
-            <a:fld id="{0E9CA226-A913-4257-BCDF-6B13D2AD6BEA}" type="datetimeFigureOut">
-              <a:rPr lang="ru-RU" smtClean="0"/>
-              <a:t>04.06.2019</a:t>
+            <a:fld id="{CEFA41C2-ECAD-45E3-A850-94D727B116CF}" type="datetime1">
+              <a:rPr lang="ru-RU" smtClean="0"/>
+              <a:t>06.06.2019</a:t>
             </a:fld>
             <a:endParaRPr lang="ru-RU"/>
           </a:p>
@@ -2390,9 +2909,9 @@
           <a:bodyPr/>
           <a:lstStyle/>
           <a:p>
-            <a:fld id="{0E9CA226-A913-4257-BCDF-6B13D2AD6BEA}" type="datetimeFigureOut">
-              <a:rPr lang="ru-RU" smtClean="0"/>
-              <a:t>04.06.2019</a:t>
+            <a:fld id="{5403A9A0-E564-4709-B568-927EABB208C1}" type="datetime1">
+              <a:rPr lang="ru-RU" smtClean="0"/>
+              <a:t>06.06.2019</a:t>
             </a:fld>
             <a:endParaRPr lang="ru-RU"/>
           </a:p>
@@ -2603,9 +3122,9 @@
             </a:lvl1pPr>
           </a:lstStyle>
           <a:p>
-            <a:fld id="{0E9CA226-A913-4257-BCDF-6B13D2AD6BEA}" type="datetimeFigureOut">
-              <a:rPr lang="ru-RU" smtClean="0"/>
-              <a:t>04.06.2019</a:t>
+            <a:fld id="{DC70214D-7E33-40DD-82F7-74096B1D4234}" type="datetime1">
+              <a:rPr lang="ru-RU" smtClean="0"/>
+              <a:t>06.06.2019</a:t>
             </a:fld>
             <a:endParaRPr lang="ru-RU"/>
           </a:p>
@@ -2710,6 +3229,7 @@
     <p:sldLayoutId id="2147483658" r:id="rId10"/>
     <p:sldLayoutId id="2147483659" r:id="rId11"/>
   </p:sldLayoutIdLst>
+  <p:hf hdr="0" ftr="0" dt="0"/>
   <p:txStyles>
     <p:titleStyle>
       <a:lvl1pPr algn="l" defTabSz="914400" rtl="0" eaLnBrk="1" latinLnBrk="0" hangingPunct="1">
@@ -3020,33 +3540,47 @@
             <p:ph type="ctrTitle"/>
           </p:nvPr>
         </p:nvSpPr>
-        <p:spPr/>
-        <p:txBody>
-          <a:bodyPr/>
-          <a:lstStyle/>
-          <a:p>
-            <a:r>
-              <a:rPr lang="ru-RU" dirty="0" smtClean="0"/>
-              <a:t>Мобильное приложение «Мои расходы»</a:t>
-            </a:r>
-            <a:endParaRPr lang="ru-RU" dirty="0"/>
-          </a:p>
-        </p:txBody>
-      </p:sp>
-      <p:sp>
-        <p:nvSpPr>
-          <p:cNvPr id="3" name="Подзаголовок 2"/>
-          <p:cNvSpPr>
-            <a:spLocks noGrp="1"/>
-          </p:cNvSpPr>
-          <p:nvPr>
-            <p:ph type="subTitle" idx="1"/>
-          </p:nvPr>
-        </p:nvSpPr>
         <p:spPr>
           <a:xfrm>
-            <a:off x="1524000" y="3602037"/>
-            <a:ext cx="9144000" cy="1794211"/>
+            <a:off x="1524000" y="1470785"/>
+            <a:ext cx="9144000" cy="2387600"/>
+          </a:xfrm>
+        </p:spPr>
+        <p:txBody>
+          <a:bodyPr>
+            <a:normAutofit fontScale="90000"/>
+          </a:bodyPr>
+          <a:lstStyle/>
+          <a:p>
+            <a:r>
+              <a:rPr lang="ru-RU" dirty="0" smtClean="0"/>
+              <a:t>Мобильное приложение для учета личных расходов</a:t>
+            </a:r>
+            <a:br>
+              <a:rPr lang="ru-RU" dirty="0" smtClean="0"/>
+            </a:br>
+            <a:r>
+              <a:rPr lang="ru-RU" dirty="0" smtClean="0"/>
+              <a:t> «Мои расходы»</a:t>
+            </a:r>
+            <a:endParaRPr lang="ru-RU" dirty="0"/>
+          </a:p>
+        </p:txBody>
+      </p:sp>
+      <p:sp>
+        <p:nvSpPr>
+          <p:cNvPr id="3" name="Подзаголовок 2"/>
+          <p:cNvSpPr>
+            <a:spLocks noGrp="1"/>
+          </p:cNvSpPr>
+          <p:nvPr>
+            <p:ph type="subTitle" idx="1"/>
+          </p:nvPr>
+        </p:nvSpPr>
+        <p:spPr>
+          <a:xfrm>
+            <a:off x="3048000" y="4902804"/>
+            <a:ext cx="9144000" cy="1253298"/>
           </a:xfrm>
         </p:spPr>
         <p:txBody>
@@ -3055,21 +3589,14 @@
           </a:bodyPr>
           <a:lstStyle/>
           <a:p>
-            <a:r>
-              <a:rPr lang="ru-RU" dirty="0" smtClean="0"/>
-              <a:t>Воронежский Государственный Университет</a:t>
-            </a:r>
-          </a:p>
-          <a:p>
-            <a:r>
-              <a:rPr lang="ru-RU" dirty="0" smtClean="0"/>
-              <a:t>Факультет Компьютерных наук</a:t>
-            </a:r>
-          </a:p>
-          <a:p>
-            <a:r>
-              <a:rPr lang="ru-RU" dirty="0" smtClean="0"/>
-              <a:t>Добрынина Елизавета Алексеевна</a:t>
+            <a:pPr algn="r"/>
+            <a:r>
+              <a:rPr lang="ru-RU" dirty="0" smtClean="0"/>
+              <a:t>Выполнили: Добрынина </a:t>
+            </a:r>
+            <a:r>
+              <a:rPr lang="ru-RU" dirty="0" smtClean="0"/>
+              <a:t>Елизавета Алексеевна</a:t>
             </a:r>
             <a:br>
               <a:rPr lang="ru-RU" dirty="0" smtClean="0"/>
@@ -3080,7 +3607,104 @@
             </a:r>
             <a:r>
               <a:rPr lang="ru-RU" dirty="0" smtClean="0"/>
-              <a:t> Юлия Евгеньевна</a:t>
+              <a:t> Юлия </a:t>
+            </a:r>
+            <a:r>
+              <a:rPr lang="ru-RU" dirty="0" smtClean="0"/>
+              <a:t>Евгеньевна</a:t>
+            </a:r>
+          </a:p>
+          <a:p>
+            <a:pPr algn="r"/>
+            <a:r>
+              <a:rPr lang="ru-RU" dirty="0"/>
+              <a:t>Руководитель</a:t>
+            </a:r>
+            <a:r>
+              <a:rPr lang="ru-RU" dirty="0" smtClean="0"/>
+              <a:t>: Полещук </a:t>
+            </a:r>
+            <a:r>
+              <a:rPr lang="ru-RU" dirty="0"/>
+              <a:t>Хасан </a:t>
+            </a:r>
+            <a:r>
+              <a:rPr lang="ru-RU" dirty="0" err="1"/>
+              <a:t>Абделжалилович</a:t>
+            </a:r>
+            <a:endParaRPr lang="ru-RU" dirty="0"/>
+          </a:p>
+        </p:txBody>
+      </p:sp>
+      <p:sp>
+        <p:nvSpPr>
+          <p:cNvPr id="4" name="Прямоугольник 3"/>
+          <p:cNvSpPr/>
+          <p:nvPr/>
+        </p:nvSpPr>
+        <p:spPr>
+          <a:xfrm>
+            <a:off x="0" y="270456"/>
+            <a:ext cx="12192000" cy="1200329"/>
+          </a:xfrm>
+          <a:prstGeom prst="rect">
+            <a:avLst/>
+          </a:prstGeom>
+        </p:spPr>
+        <p:txBody>
+          <a:bodyPr wrap="square">
+            <a:spAutoFit/>
+          </a:bodyPr>
+          <a:lstStyle/>
+          <a:p>
+            <a:pPr algn="ctr"/>
+            <a:r>
+              <a:rPr lang="ru-RU" sz="2400" dirty="0"/>
+              <a:t>Воронежский Государственный Университет</a:t>
+            </a:r>
+          </a:p>
+          <a:p>
+            <a:pPr algn="ctr"/>
+            <a:r>
+              <a:rPr lang="ru-RU" sz="2400" dirty="0"/>
+              <a:t>Факультет Компьютерных </a:t>
+            </a:r>
+            <a:r>
+              <a:rPr lang="ru-RU" sz="2400" dirty="0" smtClean="0"/>
+              <a:t>наук</a:t>
+            </a:r>
+          </a:p>
+          <a:p>
+            <a:pPr algn="ctr"/>
+            <a:endParaRPr lang="ru-RU" sz="2400" dirty="0"/>
+          </a:p>
+        </p:txBody>
+      </p:sp>
+      <p:sp>
+        <p:nvSpPr>
+          <p:cNvPr id="5" name="TextBox 4"/>
+          <p:cNvSpPr txBox="1"/>
+          <p:nvPr/>
+        </p:nvSpPr>
+        <p:spPr>
+          <a:xfrm>
+            <a:off x="5582558" y="6336406"/>
+            <a:ext cx="1026884" cy="369332"/>
+          </a:xfrm>
+          <a:prstGeom prst="rect">
+            <a:avLst/>
+          </a:prstGeom>
+          <a:noFill/>
+        </p:spPr>
+        <p:txBody>
+          <a:bodyPr wrap="none" rtlCol="0">
+            <a:spAutoFit/>
+          </a:bodyPr>
+          <a:lstStyle/>
+          <a:p>
+            <a:r>
+              <a:rPr lang="ru-RU" dirty="0" smtClean="0"/>
+              <a:t>Год 2019</a:t>
             </a:r>
             <a:endParaRPr lang="ru-RU" dirty="0"/>
           </a:p>
@@ -3096,6 +3720,13 @@
   <p:clrMapOvr>
     <a:masterClrMapping/>
   </p:clrMapOvr>
+  <p:timing>
+    <p:tnLst>
+      <p:par>
+        <p:cTn id="1" dur="indefinite" restart="never" nodeType="tmRoot"/>
+      </p:par>
+    </p:tnLst>
+  </p:timing>
 </p:sld>
 </file>
 
@@ -3149,12 +3780,236 @@
             <p:ph idx="1"/>
           </p:nvPr>
         </p:nvSpPr>
-        <p:spPr/>
-        <p:txBody>
-          <a:bodyPr/>
-          <a:lstStyle/>
-          <a:p>
-            <a:endParaRPr lang="ru-RU"/>
+        <p:spPr>
+          <a:xfrm>
+            <a:off x="838200" y="2692220"/>
+            <a:ext cx="3630770" cy="4351338"/>
+          </a:xfrm>
+        </p:spPr>
+        <p:txBody>
+          <a:bodyPr/>
+          <a:lstStyle/>
+          <a:p>
+            <a:pPr marL="0" indent="0">
+              <a:buNone/>
+            </a:pPr>
+            <a:r>
+              <a:rPr lang="en-US" dirty="0" smtClean="0"/>
+              <a:t>Request body:</a:t>
+            </a:r>
+          </a:p>
+          <a:p>
+            <a:pPr marL="0" indent="0">
+              <a:buNone/>
+            </a:pPr>
+            <a:r>
+              <a:rPr lang="en-US" dirty="0" smtClean="0"/>
+              <a:t>{</a:t>
+            </a:r>
+            <a:endParaRPr lang="en-US" dirty="0"/>
+          </a:p>
+          <a:p>
+            <a:pPr marL="0" indent="0">
+              <a:buNone/>
+            </a:pPr>
+            <a:r>
+              <a:rPr lang="en-US" dirty="0"/>
+              <a:t>  "name": "string",</a:t>
+            </a:r>
+          </a:p>
+          <a:p>
+            <a:pPr marL="0" indent="0">
+              <a:buNone/>
+            </a:pPr>
+            <a:r>
+              <a:rPr lang="en-US" dirty="0"/>
+              <a:t>  "date": "2019-06-04",</a:t>
+            </a:r>
+          </a:p>
+          <a:p>
+            <a:pPr marL="0" indent="0">
+              <a:buNone/>
+            </a:pPr>
+            <a:r>
+              <a:rPr lang="en-US" dirty="0"/>
+              <a:t>  "</a:t>
+            </a:r>
+            <a:r>
+              <a:rPr lang="en-US" dirty="0" err="1"/>
+              <a:t>summ</a:t>
+            </a:r>
+            <a:r>
+              <a:rPr lang="en-US" dirty="0"/>
+              <a:t>": 150,</a:t>
+            </a:r>
+          </a:p>
+          <a:p>
+            <a:pPr marL="0" indent="0">
+              <a:buNone/>
+            </a:pPr>
+            <a:r>
+              <a:rPr lang="en-US" dirty="0"/>
+              <a:t>  "</a:t>
+            </a:r>
+            <a:r>
+              <a:rPr lang="en-US" dirty="0" err="1"/>
+              <a:t>categoryId</a:t>
+            </a:r>
+            <a:r>
+              <a:rPr lang="en-US" dirty="0"/>
+              <a:t>": 10</a:t>
+            </a:r>
+          </a:p>
+          <a:p>
+            <a:pPr marL="0" indent="0">
+              <a:buNone/>
+            </a:pPr>
+            <a:r>
+              <a:rPr lang="en-US" dirty="0"/>
+              <a:t>}</a:t>
+            </a:r>
+            <a:endParaRPr lang="en-US" dirty="0" smtClean="0"/>
+          </a:p>
+          <a:p>
+            <a:endParaRPr lang="ru-RU" dirty="0"/>
+          </a:p>
+        </p:txBody>
+      </p:sp>
+      <p:sp>
+        <p:nvSpPr>
+          <p:cNvPr id="5" name="Прямоугольник 4"/>
+          <p:cNvSpPr/>
+          <p:nvPr/>
+        </p:nvSpPr>
+        <p:spPr>
+          <a:xfrm>
+            <a:off x="5444386" y="2692220"/>
+            <a:ext cx="6096000" cy="3539430"/>
+          </a:xfrm>
+          <a:prstGeom prst="rect">
+            <a:avLst/>
+          </a:prstGeom>
+        </p:spPr>
+        <p:txBody>
+          <a:bodyPr>
+            <a:spAutoFit/>
+          </a:bodyPr>
+          <a:lstStyle/>
+          <a:p>
+            <a:r>
+              <a:rPr lang="en-US" sz="2800" dirty="0" smtClean="0"/>
+              <a:t>Response body:</a:t>
+            </a:r>
+          </a:p>
+          <a:p>
+            <a:r>
+              <a:rPr lang="en-US" sz="2800" dirty="0"/>
+              <a:t>{</a:t>
+            </a:r>
+          </a:p>
+          <a:p>
+            <a:r>
+              <a:rPr lang="en-US" sz="2800" dirty="0"/>
+              <a:t>  "name": "string",</a:t>
+            </a:r>
+          </a:p>
+          <a:p>
+            <a:r>
+              <a:rPr lang="en-US" sz="2800" dirty="0"/>
+              <a:t>  "date": "2019-06-04",</a:t>
+            </a:r>
+          </a:p>
+          <a:p>
+            <a:r>
+              <a:rPr lang="en-US" sz="2800" dirty="0"/>
+              <a:t>  "</a:t>
+            </a:r>
+            <a:r>
+              <a:rPr lang="en-US" sz="2800" dirty="0" err="1"/>
+              <a:t>summ</a:t>
+            </a:r>
+            <a:r>
+              <a:rPr lang="en-US" sz="2800" dirty="0"/>
+              <a:t>": 150,</a:t>
+            </a:r>
+          </a:p>
+          <a:p>
+            <a:r>
+              <a:rPr lang="en-US" sz="2800" dirty="0"/>
+              <a:t>  "</a:t>
+            </a:r>
+            <a:r>
+              <a:rPr lang="en-US" sz="2800" dirty="0" err="1"/>
+              <a:t>categoryId</a:t>
+            </a:r>
+            <a:r>
+              <a:rPr lang="en-US" sz="2800" dirty="0"/>
+              <a:t>": 10,</a:t>
+            </a:r>
+          </a:p>
+          <a:p>
+            <a:r>
+              <a:rPr lang="en-US" sz="2800" dirty="0"/>
+              <a:t>  "id": 16</a:t>
+            </a:r>
+          </a:p>
+          <a:p>
+            <a:r>
+              <a:rPr lang="en-US" sz="2800" dirty="0"/>
+              <a:t>}</a:t>
+            </a:r>
+            <a:endParaRPr lang="en-US" sz="2800" dirty="0" smtClean="0"/>
+          </a:p>
+        </p:txBody>
+      </p:sp>
+      <p:sp>
+        <p:nvSpPr>
+          <p:cNvPr id="8" name="Прямоугольник 7"/>
+          <p:cNvSpPr/>
+          <p:nvPr/>
+        </p:nvSpPr>
+        <p:spPr>
+          <a:xfrm>
+            <a:off x="838200" y="1828323"/>
+            <a:ext cx="7654186" cy="523220"/>
+          </a:xfrm>
+          <a:prstGeom prst="rect">
+            <a:avLst/>
+          </a:prstGeom>
+        </p:spPr>
+        <p:txBody>
+          <a:bodyPr wrap="square">
+            <a:spAutoFit/>
+          </a:bodyPr>
+          <a:lstStyle/>
+          <a:p>
+            <a:r>
+              <a:rPr lang="ru-RU" sz="2800" b="1" dirty="0"/>
+              <a:t>POST "http://157.230.20.13:5000/expenses"</a:t>
+            </a:r>
+          </a:p>
+        </p:txBody>
+      </p:sp>
+      <p:sp>
+        <p:nvSpPr>
+          <p:cNvPr id="4" name="Номер слайда 3"/>
+          <p:cNvSpPr>
+            <a:spLocks noGrp="1"/>
+          </p:cNvSpPr>
+          <p:nvPr>
+            <p:ph type="sldNum" sz="quarter" idx="12"/>
+          </p:nvPr>
+        </p:nvSpPr>
+        <p:spPr/>
+        <p:txBody>
+          <a:bodyPr/>
+          <a:lstStyle/>
+          <a:p>
+            <a:fld id="{41D38445-233B-4E88-98F3-826CC3B1C728}" type="slidenum">
+              <a:rPr lang="ru-RU" sz="2000" smtClean="0"/>
+              <a:t>10</a:t>
+            </a:fld>
+            <a:endParaRPr lang="ru-RU" sz="2000" dirty="0"/>
           </a:p>
         </p:txBody>
       </p:sp>
@@ -3168,6 +4023,13 @@
   <p:clrMapOvr>
     <a:masterClrMapping/>
   </p:clrMapOvr>
+  <p:timing>
+    <p:tnLst>
+      <p:par>
+        <p:cTn id="1" dur="indefinite" restart="never" nodeType="tmRoot"/>
+      </p:par>
+    </p:tnLst>
+  </p:timing>
 </p:sld>
 </file>
 
@@ -3221,9 +4083,16 @@
             <p:ph idx="1"/>
           </p:nvPr>
         </p:nvSpPr>
-        <p:spPr/>
-        <p:txBody>
-          <a:bodyPr/>
+        <p:spPr>
+          <a:xfrm>
+            <a:off x="838200" y="1690688"/>
+            <a:ext cx="4004256" cy="4351338"/>
+          </a:xfrm>
+        </p:spPr>
+        <p:txBody>
+          <a:bodyPr>
+            <a:normAutofit lnSpcReduction="10000"/>
+          </a:bodyPr>
           <a:lstStyle/>
           <a:p>
             <a:pPr marL="0" indent="0">
@@ -3235,29 +4104,72 @@
             </a:r>
           </a:p>
           <a:p>
+            <a:pPr>
+              <a:lnSpc>
+                <a:spcPct val="200000"/>
+              </a:lnSpc>
+            </a:pPr>
             <a:r>
               <a:rPr lang="en-US" dirty="0" smtClean="0"/>
               <a:t>Smoke</a:t>
             </a:r>
           </a:p>
           <a:p>
+            <a:pPr>
+              <a:lnSpc>
+                <a:spcPct val="200000"/>
+              </a:lnSpc>
+            </a:pPr>
             <a:r>
               <a:rPr lang="en-US" dirty="0" smtClean="0"/>
               <a:t>Sanity</a:t>
             </a:r>
           </a:p>
           <a:p>
+            <a:pPr>
+              <a:lnSpc>
+                <a:spcPct val="200000"/>
+              </a:lnSpc>
+            </a:pPr>
             <a:r>
               <a:rPr lang="en-US" dirty="0" smtClean="0"/>
               <a:t>Negative</a:t>
             </a:r>
           </a:p>
           <a:p>
+            <a:pPr>
+              <a:lnSpc>
+                <a:spcPct val="200000"/>
+              </a:lnSpc>
+            </a:pPr>
             <a:r>
               <a:rPr lang="en-US" dirty="0" smtClean="0"/>
               <a:t>Usability</a:t>
             </a:r>
             <a:endParaRPr lang="ru-RU" dirty="0"/>
+          </a:p>
+        </p:txBody>
+      </p:sp>
+      <p:sp>
+        <p:nvSpPr>
+          <p:cNvPr id="4" name="Номер слайда 3"/>
+          <p:cNvSpPr>
+            <a:spLocks noGrp="1"/>
+          </p:cNvSpPr>
+          <p:nvPr>
+            <p:ph type="sldNum" sz="quarter" idx="12"/>
+          </p:nvPr>
+        </p:nvSpPr>
+        <p:spPr/>
+        <p:txBody>
+          <a:bodyPr/>
+          <a:lstStyle/>
+          <a:p>
+            <a:fld id="{41D38445-233B-4E88-98F3-826CC3B1C728}" type="slidenum">
+              <a:rPr lang="ru-RU" sz="2000" smtClean="0"/>
+              <a:t>11</a:t>
+            </a:fld>
+            <a:endParaRPr lang="ru-RU" sz="2000" dirty="0"/>
           </a:p>
         </p:txBody>
       </p:sp>
@@ -3271,6 +4183,13 @@
   <p:clrMapOvr>
     <a:masterClrMapping/>
   </p:clrMapOvr>
+  <p:timing>
+    <p:tnLst>
+      <p:par>
+        <p:cTn id="1" dur="indefinite" restart="never" nodeType="tmRoot"/>
+      </p:par>
+    </p:tnLst>
+  </p:timing>
 </p:sld>
 </file>
 
@@ -3308,31 +4227,59 @@
           <a:p>
             <a:r>
               <a:rPr lang="ru-RU" dirty="0" smtClean="0"/>
-              <a:t>Тестирование</a:t>
+              <a:t>Результаты тестирования</a:t>
             </a:r>
             <a:endParaRPr lang="ru-RU" dirty="0"/>
           </a:p>
         </p:txBody>
       </p:sp>
-      <p:sp>
-        <p:nvSpPr>
-          <p:cNvPr id="3" name="Объект 2"/>
-          <p:cNvSpPr>
-            <a:spLocks noGrp="1"/>
-          </p:cNvSpPr>
-          <p:nvPr>
-            <p:ph idx="1"/>
-          </p:nvPr>
-        </p:nvSpPr>
-        <p:spPr/>
-        <p:txBody>
-          <a:bodyPr/>
-          <a:lstStyle/>
-          <a:p>
-            <a:r>
-              <a:rPr lang="ru-RU" dirty="0" smtClean="0"/>
-              <a:t>Результаты тестирования</a:t>
-            </a:r>
+      <p:pic>
+        <p:nvPicPr>
+          <p:cNvPr id="4" name="Рисунок 3"/>
+          <p:cNvPicPr>
+            <a:picLocks noChangeAspect="1"/>
+          </p:cNvPicPr>
+          <p:nvPr/>
+        </p:nvPicPr>
+        <p:blipFill rotWithShape="1">
+          <a:blip r:embed="rId2"/>
+          <a:srcRect l="1941" t="35066" r="54982" b="26311"/>
+          <a:stretch/>
+        </p:blipFill>
+        <p:spPr>
+          <a:xfrm>
+            <a:off x="965200" y="1625599"/>
+            <a:ext cx="9321800" cy="4699001"/>
+          </a:xfrm>
+          <a:prstGeom prst="rect">
+            <a:avLst/>
+          </a:prstGeom>
+          <a:ln>
+            <a:solidFill>
+              <a:schemeClr val="tx1"/>
+            </a:solidFill>
+          </a:ln>
+        </p:spPr>
+      </p:pic>
+      <p:sp>
+        <p:nvSpPr>
+          <p:cNvPr id="3" name="Номер слайда 2"/>
+          <p:cNvSpPr>
+            <a:spLocks noGrp="1"/>
+          </p:cNvSpPr>
+          <p:nvPr>
+            <p:ph type="sldNum" sz="quarter" idx="12"/>
+          </p:nvPr>
+        </p:nvSpPr>
+        <p:spPr/>
+        <p:txBody>
+          <a:bodyPr/>
+          <a:lstStyle/>
+          <a:p>
+            <a:fld id="{41D38445-233B-4E88-98F3-826CC3B1C728}" type="slidenum">
+              <a:rPr lang="ru-RU" sz="2000" smtClean="0"/>
+              <a:t>12</a:t>
+            </a:fld>
             <a:endParaRPr lang="ru-RU" dirty="0"/>
           </a:p>
         </p:txBody>
@@ -3347,6 +4294,13 @@
   <p:clrMapOvr>
     <a:masterClrMapping/>
   </p:clrMapOvr>
+  <p:timing>
+    <p:tnLst>
+      <p:par>
+        <p:cTn id="1" dur="indefinite" restart="never" nodeType="tmRoot"/>
+      </p:par>
+    </p:tnLst>
+  </p:timing>
 </p:sld>
 </file>
 
@@ -3367,101 +4321,6 @@
           <a:chExt cx="0" cy="0"/>
         </a:xfrm>
       </p:grpSpPr>
-      <p:sp>
-        <p:nvSpPr>
-          <p:cNvPr id="2" name="Заголовок 1"/>
-          <p:cNvSpPr>
-            <a:spLocks noGrp="1"/>
-          </p:cNvSpPr>
-          <p:nvPr>
-            <p:ph type="title"/>
-          </p:nvPr>
-        </p:nvSpPr>
-        <p:spPr/>
-        <p:txBody>
-          <a:bodyPr/>
-          <a:lstStyle/>
-          <a:p>
-            <a:r>
-              <a:rPr lang="ru-RU" dirty="0" smtClean="0"/>
-              <a:t>Реализация</a:t>
-            </a:r>
-            <a:endParaRPr lang="ru-RU" dirty="0"/>
-          </a:p>
-        </p:txBody>
-      </p:sp>
-      <p:sp>
-        <p:nvSpPr>
-          <p:cNvPr id="3" name="Объект 2"/>
-          <p:cNvSpPr>
-            <a:spLocks noGrp="1"/>
-          </p:cNvSpPr>
-          <p:nvPr>
-            <p:ph idx="1"/>
-          </p:nvPr>
-        </p:nvSpPr>
-        <p:spPr/>
-        <p:txBody>
-          <a:bodyPr/>
-          <a:lstStyle/>
-          <a:p>
-            <a:endParaRPr lang="ru-RU"/>
-          </a:p>
-        </p:txBody>
-      </p:sp>
-    </p:spTree>
-    <p:extLst>
-      <p:ext uri="{BB962C8B-B14F-4D97-AF65-F5344CB8AC3E}">
-        <p14:creationId xmlns:p14="http://schemas.microsoft.com/office/powerpoint/2010/main" val="3312302941"/>
-      </p:ext>
-    </p:extLst>
-  </p:cSld>
-  <p:clrMapOvr>
-    <a:masterClrMapping/>
-  </p:clrMapOvr>
-</p:sld>
-</file>
-
-<file path=ppt/slides/slide14.xml><?xml version="1.0" encoding="utf-8"?>
-<p:sld xmlns:a="http://schemas.openxmlformats.org/drawingml/2006/main" xmlns:r="http://schemas.openxmlformats.org/officeDocument/2006/relationships" xmlns:p="http://schemas.openxmlformats.org/presentationml/2006/main">
-  <p:cSld>
-    <p:spTree>
-      <p:nvGrpSpPr>
-        <p:cNvPr id="1" name=""/>
-        <p:cNvGrpSpPr/>
-        <p:nvPr/>
-      </p:nvGrpSpPr>
-      <p:grpSpPr>
-        <a:xfrm>
-          <a:off x="0" y="0"/>
-          <a:ext cx="0" cy="0"/>
-          <a:chOff x="0" y="0"/>
-          <a:chExt cx="0" cy="0"/>
-        </a:xfrm>
-      </p:grpSpPr>
-      <p:sp>
-        <p:nvSpPr>
-          <p:cNvPr id="2" name="Заголовок 1"/>
-          <p:cNvSpPr>
-            <a:spLocks noGrp="1"/>
-          </p:cNvSpPr>
-          <p:nvPr>
-            <p:ph type="title"/>
-          </p:nvPr>
-        </p:nvSpPr>
-        <p:spPr/>
-        <p:txBody>
-          <a:bodyPr/>
-          <a:lstStyle/>
-          <a:p>
-            <a:r>
-              <a:rPr lang="ru-RU" dirty="0" smtClean="0"/>
-              <a:t>Реализация</a:t>
-            </a:r>
-            <a:endParaRPr lang="ru-RU" dirty="0"/>
-          </a:p>
-        </p:txBody>
-      </p:sp>
       <p:pic>
         <p:nvPicPr>
           <p:cNvPr id="4" name="Рисунок 3" descr="https://pp.userapi.com/c849416/v849416784/19e9ae/7ElSe2TqPOs.jpg"/>
@@ -3483,8 +4342,8 @@
         </p:blipFill>
         <p:spPr bwMode="auto">
           <a:xfrm>
-            <a:off x="2061844" y="1462088"/>
-            <a:ext cx="2693035" cy="5167312"/>
+            <a:off x="1423787" y="1905698"/>
+            <a:ext cx="2355850" cy="4586287"/>
           </a:xfrm>
           <a:prstGeom prst="rect">
             <a:avLst/>
@@ -3497,35 +4356,41 @@
       </p:pic>
       <p:pic>
         <p:nvPicPr>
-          <p:cNvPr id="5" name="Рисунок 4" descr="https://pp.userapi.com/c850720/v850720784/12ebd1/iSOYofScfX8.jpg"/>
-          <p:cNvPicPr/>
+          <p:cNvPr id="10" name="Picture 4" descr="ÐÐ½Ð´ÑÐ¾Ð¸Ð´, Ð¢ÐµÐ»ÐµÑÐ¾Ð½, Ð¡Ð¾ÑÐ¾Ð²ÑÐ¹"/>
+          <p:cNvPicPr>
+            <a:picLocks noChangeAspect="1" noChangeArrowheads="1"/>
+          </p:cNvPicPr>
           <p:nvPr/>
         </p:nvPicPr>
-        <p:blipFill>
-          <a:blip r:embed="rId3" cstate="print">
+        <p:blipFill rotWithShape="1">
+          <a:blip r:embed="rId3">
             <a:extLst>
               <a:ext uri="{28A0092B-C50C-407E-A947-70E740481C1C}">
                 <a14:useLocalDpi xmlns:a14="http://schemas.microsoft.com/office/drawing/2010/main" val="0"/>
               </a:ext>
             </a:extLst>
           </a:blip>
-          <a:srcRect/>
-          <a:stretch>
-            <a:fillRect/>
-          </a:stretch>
+          <a:srcRect l="20412" t="6179" r="53673" b="6436"/>
+          <a:stretch/>
         </p:blipFill>
         <p:spPr bwMode="auto">
           <a:xfrm>
-            <a:off x="5050472" y="1462088"/>
-            <a:ext cx="2630488" cy="5167312"/>
+            <a:off x="1166539" y="1187260"/>
+            <a:ext cx="2838815" cy="5670740"/>
           </a:xfrm>
           <a:prstGeom prst="rect">
             <a:avLst/>
           </a:prstGeom>
           <a:noFill/>
-          <a:ln>
-            <a:noFill/>
-          </a:ln>
+          <a:extLst>
+            <a:ext uri="{909E8E84-426E-40DD-AFC4-6F175D3DCCD1}">
+              <a14:hiddenFill xmlns:a14="http://schemas.microsoft.com/office/drawing/2010/main">
+                <a:solidFill>
+                  <a:srgbClr val="FFFFFF"/>
+                </a:solidFill>
+              </a14:hiddenFill>
+            </a:ext>
+          </a:extLst>
         </p:spPr>
       </p:pic>
       <p:pic>
@@ -3549,8 +4414,8 @@
         </p:blipFill>
         <p:spPr bwMode="auto">
           <a:xfrm>
-            <a:off x="7976553" y="1437959"/>
-            <a:ext cx="2583021" cy="5191441"/>
+            <a:off x="8061244" y="1853296"/>
+            <a:ext cx="2403818" cy="4697569"/>
           </a:xfrm>
           <a:prstGeom prst="rect">
             <a:avLst/>
@@ -3561,6 +4426,163 @@
           </a:ln>
         </p:spPr>
       </p:pic>
+      <p:pic>
+        <p:nvPicPr>
+          <p:cNvPr id="2052" name="Picture 4" descr="ÐÐ½Ð´ÑÐ¾Ð¸Ð´, Ð¢ÐµÐ»ÐµÑÐ¾Ð½, Ð¡Ð¾ÑÐ¾Ð²ÑÐ¹"/>
+          <p:cNvPicPr>
+            <a:picLocks noChangeAspect="1" noChangeArrowheads="1"/>
+          </p:cNvPicPr>
+          <p:nvPr/>
+        </p:nvPicPr>
+        <p:blipFill rotWithShape="1">
+          <a:blip r:embed="rId3">
+            <a:extLst>
+              <a:ext uri="{28A0092B-C50C-407E-A947-70E740481C1C}">
+                <a14:useLocalDpi xmlns:a14="http://schemas.microsoft.com/office/drawing/2010/main" val="0"/>
+              </a:ext>
+            </a:extLst>
+          </a:blip>
+          <a:srcRect l="20412" t="6179" r="53673" b="6436"/>
+          <a:stretch/>
+        </p:blipFill>
+        <p:spPr bwMode="auto">
+          <a:xfrm>
+            <a:off x="7843745" y="1187260"/>
+            <a:ext cx="2838815" cy="5670740"/>
+          </a:xfrm>
+          <a:prstGeom prst="rect">
+            <a:avLst/>
+          </a:prstGeom>
+          <a:noFill/>
+          <a:extLst>
+            <a:ext uri="{909E8E84-426E-40DD-AFC4-6F175D3DCCD1}">
+              <a14:hiddenFill xmlns:a14="http://schemas.microsoft.com/office/drawing/2010/main">
+                <a:solidFill>
+                  <a:srgbClr val="FFFFFF"/>
+                </a:solidFill>
+              </a14:hiddenFill>
+            </a:ext>
+          </a:extLst>
+        </p:spPr>
+      </p:pic>
+      <p:sp>
+        <p:nvSpPr>
+          <p:cNvPr id="2" name="Заголовок 1"/>
+          <p:cNvSpPr>
+            <a:spLocks noGrp="1"/>
+          </p:cNvSpPr>
+          <p:nvPr>
+            <p:ph type="title"/>
+          </p:nvPr>
+        </p:nvSpPr>
+        <p:spPr/>
+        <p:txBody>
+          <a:bodyPr/>
+          <a:lstStyle/>
+          <a:p>
+            <a:r>
+              <a:rPr lang="ru-RU" dirty="0" smtClean="0"/>
+              <a:t>Реализация</a:t>
+            </a:r>
+            <a:endParaRPr lang="ru-RU" dirty="0"/>
+          </a:p>
+        </p:txBody>
+      </p:sp>
+      <p:pic>
+        <p:nvPicPr>
+          <p:cNvPr id="5" name="Рисунок 4" descr="https://pp.userapi.com/c850720/v850720784/12ebd1/iSOYofScfX8.jpg"/>
+          <p:cNvPicPr/>
+          <p:nvPr/>
+        </p:nvPicPr>
+        <p:blipFill>
+          <a:blip r:embed="rId5" cstate="print">
+            <a:extLst>
+              <a:ext uri="{28A0092B-C50C-407E-A947-70E740481C1C}">
+                <a14:useLocalDpi xmlns:a14="http://schemas.microsoft.com/office/drawing/2010/main" val="0"/>
+              </a:ext>
+            </a:extLst>
+          </a:blip>
+          <a:srcRect/>
+          <a:stretch>
+            <a:fillRect/>
+          </a:stretch>
+        </p:blipFill>
+        <p:spPr bwMode="auto">
+          <a:xfrm>
+            <a:off x="4747109" y="1856852"/>
+            <a:ext cx="2354880" cy="4697569"/>
+          </a:xfrm>
+          <a:prstGeom prst="rect">
+            <a:avLst/>
+          </a:prstGeom>
+          <a:noFill/>
+          <a:ln>
+            <a:noFill/>
+          </a:ln>
+        </p:spPr>
+      </p:pic>
+      <p:pic>
+        <p:nvPicPr>
+          <p:cNvPr id="9" name="Picture 4" descr="ÐÐ½Ð´ÑÐ¾Ð¸Ð´, Ð¢ÐµÐ»ÐµÑÐ¾Ð½, Ð¡Ð¾ÑÐ¾Ð²ÑÐ¹"/>
+          <p:cNvPicPr>
+            <a:picLocks noChangeAspect="1" noChangeArrowheads="1"/>
+          </p:cNvPicPr>
+          <p:nvPr/>
+        </p:nvPicPr>
+        <p:blipFill rotWithShape="1">
+          <a:blip r:embed="rId3">
+            <a:extLst>
+              <a:ext uri="{28A0092B-C50C-407E-A947-70E740481C1C}">
+                <a14:useLocalDpi xmlns:a14="http://schemas.microsoft.com/office/drawing/2010/main" val="0"/>
+              </a:ext>
+            </a:extLst>
+          </a:blip>
+          <a:srcRect l="20412" t="6179" r="53673" b="6436"/>
+          <a:stretch/>
+        </p:blipFill>
+        <p:spPr bwMode="auto">
+          <a:xfrm>
+            <a:off x="4505142" y="1187260"/>
+            <a:ext cx="2838815" cy="5670740"/>
+          </a:xfrm>
+          <a:prstGeom prst="rect">
+            <a:avLst/>
+          </a:prstGeom>
+          <a:noFill/>
+          <a:extLst>
+            <a:ext uri="{909E8E84-426E-40DD-AFC4-6F175D3DCCD1}">
+              <a14:hiddenFill xmlns:a14="http://schemas.microsoft.com/office/drawing/2010/main">
+                <a:solidFill>
+                  <a:srgbClr val="FFFFFF"/>
+                </a:solidFill>
+              </a14:hiddenFill>
+            </a:ext>
+          </a:extLst>
+        </p:spPr>
+      </p:pic>
+      <p:sp>
+        <p:nvSpPr>
+          <p:cNvPr id="3" name="Номер слайда 2"/>
+          <p:cNvSpPr>
+            <a:spLocks noGrp="1"/>
+          </p:cNvSpPr>
+          <p:nvPr>
+            <p:ph type="sldNum" sz="quarter" idx="12"/>
+          </p:nvPr>
+        </p:nvSpPr>
+        <p:spPr/>
+        <p:txBody>
+          <a:bodyPr/>
+          <a:lstStyle/>
+          <a:p>
+            <a:fld id="{41D38445-233B-4E88-98F3-826CC3B1C728}" type="slidenum">
+              <a:rPr lang="ru-RU" sz="2000" smtClean="0"/>
+              <a:t>13</a:t>
+            </a:fld>
+            <a:endParaRPr lang="ru-RU" dirty="0"/>
+          </a:p>
+        </p:txBody>
+      </p:sp>
     </p:spTree>
     <p:extLst>
       <p:ext uri="{BB962C8B-B14F-4D97-AF65-F5344CB8AC3E}">
@@ -3571,6 +4593,312 @@
   <p:clrMapOvr>
     <a:masterClrMapping/>
   </p:clrMapOvr>
+  <p:timing>
+    <p:tnLst>
+      <p:par>
+        <p:cTn id="1" dur="indefinite" restart="never" nodeType="tmRoot"/>
+      </p:par>
+    </p:tnLst>
+  </p:timing>
+</p:sld>
+</file>
+
+<file path=ppt/slides/slide14.xml><?xml version="1.0" encoding="utf-8"?>
+<p:sld xmlns:a="http://schemas.openxmlformats.org/drawingml/2006/main" xmlns:r="http://schemas.openxmlformats.org/officeDocument/2006/relationships" xmlns:p="http://schemas.openxmlformats.org/presentationml/2006/main">
+  <p:cSld>
+    <p:spTree>
+      <p:nvGrpSpPr>
+        <p:cNvPr id="1" name=""/>
+        <p:cNvGrpSpPr/>
+        <p:nvPr/>
+      </p:nvGrpSpPr>
+      <p:grpSpPr>
+        <a:xfrm>
+          <a:off x="0" y="0"/>
+          <a:ext cx="0" cy="0"/>
+          <a:chOff x="0" y="0"/>
+          <a:chExt cx="0" cy="0"/>
+        </a:xfrm>
+      </p:grpSpPr>
+      <p:pic>
+        <p:nvPicPr>
+          <p:cNvPr id="6" name="Рисунок 5" descr="https://pp.userapi.com/c848524/v848524784/199a01/kW1lit3-6g0.jpg"/>
+          <p:cNvPicPr/>
+          <p:nvPr/>
+        </p:nvPicPr>
+        <p:blipFill>
+          <a:blip r:embed="rId2" cstate="print">
+            <a:extLst>
+              <a:ext uri="{28A0092B-C50C-407E-A947-70E740481C1C}">
+                <a14:useLocalDpi xmlns:a14="http://schemas.microsoft.com/office/drawing/2010/main" val="0"/>
+              </a:ext>
+            </a:extLst>
+          </a:blip>
+          <a:srcRect/>
+          <a:stretch>
+            <a:fillRect/>
+          </a:stretch>
+        </p:blipFill>
+        <p:spPr bwMode="auto">
+          <a:xfrm>
+            <a:off x="8058150" y="1847850"/>
+            <a:ext cx="2337379" cy="4716845"/>
+          </a:xfrm>
+          <a:prstGeom prst="rect">
+            <a:avLst/>
+          </a:prstGeom>
+          <a:noFill/>
+          <a:ln>
+            <a:noFill/>
+          </a:ln>
+        </p:spPr>
+      </p:pic>
+      <p:pic>
+        <p:nvPicPr>
+          <p:cNvPr id="9" name="Picture 4" descr="ÐÐ½Ð´ÑÐ¾Ð¸Ð´, Ð¢ÐµÐ»ÐµÑÐ¾Ð½, Ð¡Ð¾ÑÐ¾Ð²ÑÐ¹"/>
+          <p:cNvPicPr>
+            <a:picLocks noChangeAspect="1" noChangeArrowheads="1"/>
+          </p:cNvPicPr>
+          <p:nvPr/>
+        </p:nvPicPr>
+        <p:blipFill rotWithShape="1">
+          <a:blip r:embed="rId3">
+            <a:extLst>
+              <a:ext uri="{28A0092B-C50C-407E-A947-70E740481C1C}">
+                <a14:useLocalDpi xmlns:a14="http://schemas.microsoft.com/office/drawing/2010/main" val="0"/>
+              </a:ext>
+            </a:extLst>
+          </a:blip>
+          <a:srcRect l="20412" t="6179" r="53673" b="6436"/>
+          <a:stretch/>
+        </p:blipFill>
+        <p:spPr bwMode="auto">
+          <a:xfrm>
+            <a:off x="7791530" y="1187260"/>
+            <a:ext cx="2838815" cy="5670740"/>
+          </a:xfrm>
+          <a:prstGeom prst="rect">
+            <a:avLst/>
+          </a:prstGeom>
+          <a:noFill/>
+          <a:extLst>
+            <a:ext uri="{909E8E84-426E-40DD-AFC4-6F175D3DCCD1}">
+              <a14:hiddenFill xmlns:a14="http://schemas.microsoft.com/office/drawing/2010/main">
+                <a:solidFill>
+                  <a:srgbClr val="FFFFFF"/>
+                </a:solidFill>
+              </a14:hiddenFill>
+            </a:ext>
+          </a:extLst>
+        </p:spPr>
+      </p:pic>
+      <p:pic>
+        <p:nvPicPr>
+          <p:cNvPr id="4" name="Рисунок 3" descr="https://pp.userapi.com/c849036/v849036784/19dc4e/mYGaDGQJBRA.jpg"/>
+          <p:cNvPicPr/>
+          <p:nvPr/>
+        </p:nvPicPr>
+        <p:blipFill>
+          <a:blip r:embed="rId4" cstate="print">
+            <a:extLst>
+              <a:ext uri="{28A0092B-C50C-407E-A947-70E740481C1C}">
+                <a14:useLocalDpi xmlns:a14="http://schemas.microsoft.com/office/drawing/2010/main" val="0"/>
+              </a:ext>
+            </a:extLst>
+          </a:blip>
+          <a:srcRect/>
+          <a:stretch>
+            <a:fillRect/>
+          </a:stretch>
+        </p:blipFill>
+        <p:spPr bwMode="auto">
+          <a:xfrm>
+            <a:off x="1313179" y="1893635"/>
+            <a:ext cx="2344420" cy="4664392"/>
+          </a:xfrm>
+          <a:prstGeom prst="rect">
+            <a:avLst/>
+          </a:prstGeom>
+          <a:noFill/>
+          <a:ln>
+            <a:noFill/>
+          </a:ln>
+        </p:spPr>
+      </p:pic>
+      <p:pic>
+        <p:nvPicPr>
+          <p:cNvPr id="7" name="Picture 4" descr="ÐÐ½Ð´ÑÐ¾Ð¸Ð´, Ð¢ÐµÐ»ÐµÑÐ¾Ð½, Ð¡Ð¾ÑÐ¾Ð²ÑÐ¹"/>
+          <p:cNvPicPr>
+            <a:picLocks noChangeAspect="1" noChangeArrowheads="1"/>
+          </p:cNvPicPr>
+          <p:nvPr/>
+        </p:nvPicPr>
+        <p:blipFill rotWithShape="1">
+          <a:blip r:embed="rId3">
+            <a:extLst>
+              <a:ext uri="{28A0092B-C50C-407E-A947-70E740481C1C}">
+                <a14:useLocalDpi xmlns:a14="http://schemas.microsoft.com/office/drawing/2010/main" val="0"/>
+              </a:ext>
+            </a:extLst>
+          </a:blip>
+          <a:srcRect l="20412" t="6179" r="53673" b="6436"/>
+          <a:stretch/>
+        </p:blipFill>
+        <p:spPr bwMode="auto">
+          <a:xfrm>
+            <a:off x="1065982" y="1182498"/>
+            <a:ext cx="2838815" cy="5670740"/>
+          </a:xfrm>
+          <a:prstGeom prst="rect">
+            <a:avLst/>
+          </a:prstGeom>
+          <a:noFill/>
+          <a:extLst>
+            <a:ext uri="{909E8E84-426E-40DD-AFC4-6F175D3DCCD1}">
+              <a14:hiddenFill xmlns:a14="http://schemas.microsoft.com/office/drawing/2010/main">
+                <a:solidFill>
+                  <a:srgbClr val="FFFFFF"/>
+                </a:solidFill>
+              </a14:hiddenFill>
+            </a:ext>
+          </a:extLst>
+        </p:spPr>
+      </p:pic>
+      <p:pic>
+        <p:nvPicPr>
+          <p:cNvPr id="5" name="Рисунок 4" descr="https://pp.userapi.com/c851020/v851020784/12a248/HsRDyNAsBOg.jpg"/>
+          <p:cNvPicPr/>
+          <p:nvPr/>
+        </p:nvPicPr>
+        <p:blipFill>
+          <a:blip r:embed="rId5" cstate="print">
+            <a:extLst>
+              <a:ext uri="{28A0092B-C50C-407E-A947-70E740481C1C}">
+                <a14:useLocalDpi xmlns:a14="http://schemas.microsoft.com/office/drawing/2010/main" val="0"/>
+              </a:ext>
+            </a:extLst>
+          </a:blip>
+          <a:srcRect/>
+          <a:stretch>
+            <a:fillRect/>
+          </a:stretch>
+        </p:blipFill>
+        <p:spPr bwMode="auto">
+          <a:xfrm>
+            <a:off x="4678810" y="1893635"/>
+            <a:ext cx="2338705" cy="4664392"/>
+          </a:xfrm>
+          <a:prstGeom prst="rect">
+            <a:avLst/>
+          </a:prstGeom>
+          <a:noFill/>
+          <a:ln>
+            <a:noFill/>
+          </a:ln>
+        </p:spPr>
+      </p:pic>
+      <p:pic>
+        <p:nvPicPr>
+          <p:cNvPr id="8" name="Picture 4" descr="ÐÐ½Ð´ÑÐ¾Ð¸Ð´, Ð¢ÐµÐ»ÐµÑÐ¾Ð½, Ð¡Ð¾ÑÐ¾Ð²ÑÐ¹"/>
+          <p:cNvPicPr>
+            <a:picLocks noChangeAspect="1" noChangeArrowheads="1"/>
+          </p:cNvPicPr>
+          <p:nvPr/>
+        </p:nvPicPr>
+        <p:blipFill rotWithShape="1">
+          <a:blip r:embed="rId3">
+            <a:extLst>
+              <a:ext uri="{28A0092B-C50C-407E-A947-70E740481C1C}">
+                <a14:useLocalDpi xmlns:a14="http://schemas.microsoft.com/office/drawing/2010/main" val="0"/>
+              </a:ext>
+            </a:extLst>
+          </a:blip>
+          <a:srcRect l="20412" t="6179" r="53673" b="6436"/>
+          <a:stretch/>
+        </p:blipFill>
+        <p:spPr bwMode="auto">
+          <a:xfrm>
+            <a:off x="4428756" y="1182498"/>
+            <a:ext cx="2838815" cy="5670740"/>
+          </a:xfrm>
+          <a:prstGeom prst="rect">
+            <a:avLst/>
+          </a:prstGeom>
+          <a:noFill/>
+          <a:extLst>
+            <a:ext uri="{909E8E84-426E-40DD-AFC4-6F175D3DCCD1}">
+              <a14:hiddenFill xmlns:a14="http://schemas.microsoft.com/office/drawing/2010/main">
+                <a:solidFill>
+                  <a:srgbClr val="FFFFFF"/>
+                </a:solidFill>
+              </a14:hiddenFill>
+            </a:ext>
+          </a:extLst>
+        </p:spPr>
+      </p:pic>
+      <p:sp>
+        <p:nvSpPr>
+          <p:cNvPr id="2" name="Заголовок 1"/>
+          <p:cNvSpPr>
+            <a:spLocks noGrp="1"/>
+          </p:cNvSpPr>
+          <p:nvPr>
+            <p:ph type="title"/>
+          </p:nvPr>
+        </p:nvSpPr>
+        <p:spPr/>
+        <p:txBody>
+          <a:bodyPr/>
+          <a:lstStyle/>
+          <a:p>
+            <a:r>
+              <a:rPr lang="ru-RU" dirty="0" smtClean="0"/>
+              <a:t>Реализация</a:t>
+            </a:r>
+            <a:endParaRPr lang="ru-RU" dirty="0"/>
+          </a:p>
+        </p:txBody>
+      </p:sp>
+      <p:sp>
+        <p:nvSpPr>
+          <p:cNvPr id="3" name="Номер слайда 2"/>
+          <p:cNvSpPr>
+            <a:spLocks noGrp="1"/>
+          </p:cNvSpPr>
+          <p:nvPr>
+            <p:ph type="sldNum" sz="quarter" idx="12"/>
+          </p:nvPr>
+        </p:nvSpPr>
+        <p:spPr/>
+        <p:txBody>
+          <a:bodyPr/>
+          <a:lstStyle/>
+          <a:p>
+            <a:fld id="{41D38445-233B-4E88-98F3-826CC3B1C728}" type="slidenum">
+              <a:rPr lang="ru-RU" sz="2000" smtClean="0"/>
+              <a:t>14</a:t>
+            </a:fld>
+            <a:endParaRPr lang="ru-RU" dirty="0"/>
+          </a:p>
+        </p:txBody>
+      </p:sp>
+    </p:spTree>
+    <p:extLst>
+      <p:ext uri="{BB962C8B-B14F-4D97-AF65-F5344CB8AC3E}">
+        <p14:creationId xmlns:p14="http://schemas.microsoft.com/office/powerpoint/2010/main" val="3604511338"/>
+      </p:ext>
+    </p:extLst>
+  </p:cSld>
+  <p:clrMapOvr>
+    <a:masterClrMapping/>
+  </p:clrMapOvr>
+  <p:timing>
+    <p:tnLst>
+      <p:par>
+        <p:cTn id="1" dur="indefinite" restart="never" nodeType="tmRoot"/>
+      </p:par>
+    </p:tnLst>
+  </p:timing>
 </p:sld>
 </file>
 
@@ -3608,121 +4936,87 @@
           <a:p>
             <a:r>
               <a:rPr lang="ru-RU" dirty="0" smtClean="0"/>
-              <a:t>Реализация</a:t>
+              <a:t>Заключение</a:t>
             </a:r>
             <a:endParaRPr lang="ru-RU" dirty="0"/>
           </a:p>
         </p:txBody>
       </p:sp>
-      <p:pic>
-        <p:nvPicPr>
-          <p:cNvPr id="4" name="Рисунок 3" descr="https://pp.userapi.com/c849036/v849036784/19dc4e/mYGaDGQJBRA.jpg"/>
-          <p:cNvPicPr/>
-          <p:nvPr/>
-        </p:nvPicPr>
-        <p:blipFill>
-          <a:blip r:embed="rId2" cstate="print">
-            <a:extLst>
-              <a:ext uri="{28A0092B-C50C-407E-A947-70E740481C1C}">
-                <a14:useLocalDpi xmlns:a14="http://schemas.microsoft.com/office/drawing/2010/main" val="0"/>
-              </a:ext>
-            </a:extLst>
-          </a:blip>
-          <a:srcRect/>
-          <a:stretch>
-            <a:fillRect/>
-          </a:stretch>
-        </p:blipFill>
-        <p:spPr bwMode="auto">
-          <a:xfrm>
-            <a:off x="1313180" y="1690688"/>
-            <a:ext cx="2344420" cy="4664392"/>
-          </a:xfrm>
-          <a:prstGeom prst="rect">
-            <a:avLst/>
-          </a:prstGeom>
-          <a:noFill/>
-          <a:ln>
-            <a:noFill/>
-          </a:ln>
-        </p:spPr>
-      </p:pic>
-      <p:pic>
-        <p:nvPicPr>
-          <p:cNvPr id="5" name="Рисунок 4" descr="https://pp.userapi.com/c851020/v851020784/12a248/HsRDyNAsBOg.jpg"/>
-          <p:cNvPicPr/>
-          <p:nvPr/>
-        </p:nvPicPr>
-        <p:blipFill>
-          <a:blip r:embed="rId3" cstate="print">
-            <a:extLst>
-              <a:ext uri="{28A0092B-C50C-407E-A947-70E740481C1C}">
-                <a14:useLocalDpi xmlns:a14="http://schemas.microsoft.com/office/drawing/2010/main" val="0"/>
-              </a:ext>
-            </a:extLst>
-          </a:blip>
-          <a:srcRect/>
-          <a:stretch>
-            <a:fillRect/>
-          </a:stretch>
-        </p:blipFill>
-        <p:spPr bwMode="auto">
-          <a:xfrm>
-            <a:off x="4747894" y="1690689"/>
-            <a:ext cx="2338705" cy="4664392"/>
-          </a:xfrm>
-          <a:prstGeom prst="rect">
-            <a:avLst/>
-          </a:prstGeom>
-          <a:noFill/>
-          <a:ln>
-            <a:noFill/>
-          </a:ln>
-        </p:spPr>
-      </p:pic>
-      <p:pic>
-        <p:nvPicPr>
-          <p:cNvPr id="6" name="Рисунок 5" descr="https://pp.userapi.com/c848524/v848524784/199a01/kW1lit3-6g0.jpg"/>
-          <p:cNvPicPr/>
-          <p:nvPr/>
-        </p:nvPicPr>
-        <p:blipFill>
-          <a:blip r:embed="rId4" cstate="print">
-            <a:extLst>
-              <a:ext uri="{28A0092B-C50C-407E-A947-70E740481C1C}">
-                <a14:useLocalDpi xmlns:a14="http://schemas.microsoft.com/office/drawing/2010/main" val="0"/>
-              </a:ext>
-            </a:extLst>
-          </a:blip>
-          <a:srcRect/>
-          <a:stretch>
-            <a:fillRect/>
-          </a:stretch>
-        </p:blipFill>
-        <p:spPr bwMode="auto">
-          <a:xfrm>
-            <a:off x="8176893" y="1684020"/>
-            <a:ext cx="2267585" cy="4671060"/>
-          </a:xfrm>
-          <a:prstGeom prst="rect">
-            <a:avLst/>
-          </a:prstGeom>
-          <a:noFill/>
-          <a:ln>
-            <a:noFill/>
-          </a:ln>
-        </p:spPr>
-      </p:pic>
+      <p:sp>
+        <p:nvSpPr>
+          <p:cNvPr id="3" name="Объект 2"/>
+          <p:cNvSpPr>
+            <a:spLocks noGrp="1"/>
+          </p:cNvSpPr>
+          <p:nvPr>
+            <p:ph idx="1"/>
+          </p:nvPr>
+        </p:nvSpPr>
+        <p:spPr/>
+        <p:txBody>
+          <a:bodyPr/>
+          <a:lstStyle/>
+          <a:p>
+            <a:r>
+              <a:rPr lang="ru-RU" dirty="0" smtClean="0"/>
+              <a:t>Удалось выполнить поставленную задачу</a:t>
+            </a:r>
+          </a:p>
+          <a:p>
+            <a:r>
+              <a:rPr lang="ru-RU" dirty="0" smtClean="0"/>
+              <a:t>Реализовано простое, удобное, легковесное приложение для учета личных расходов.</a:t>
+            </a:r>
+          </a:p>
+          <a:p>
+            <a:r>
+              <a:rPr lang="ru-RU" dirty="0" smtClean="0"/>
+              <a:t>В дальнейшем приложение может быть дополнено новыми функциями.</a:t>
+            </a:r>
+            <a:endParaRPr lang="ru-RU" dirty="0"/>
+          </a:p>
+        </p:txBody>
+      </p:sp>
+      <p:sp>
+        <p:nvSpPr>
+          <p:cNvPr id="4" name="Номер слайда 3"/>
+          <p:cNvSpPr>
+            <a:spLocks noGrp="1"/>
+          </p:cNvSpPr>
+          <p:nvPr>
+            <p:ph type="sldNum" sz="quarter" idx="12"/>
+          </p:nvPr>
+        </p:nvSpPr>
+        <p:spPr/>
+        <p:txBody>
+          <a:bodyPr/>
+          <a:lstStyle/>
+          <a:p>
+            <a:fld id="{41D38445-233B-4E88-98F3-826CC3B1C728}" type="slidenum">
+              <a:rPr lang="ru-RU" sz="2000" smtClean="0"/>
+              <a:t>15</a:t>
+            </a:fld>
+            <a:endParaRPr lang="ru-RU" dirty="0"/>
+          </a:p>
+        </p:txBody>
+      </p:sp>
     </p:spTree>
     <p:extLst>
       <p:ext uri="{BB962C8B-B14F-4D97-AF65-F5344CB8AC3E}">
-        <p14:creationId xmlns:p14="http://schemas.microsoft.com/office/powerpoint/2010/main" val="3604511338"/>
+        <p14:creationId xmlns:p14="http://schemas.microsoft.com/office/powerpoint/2010/main" val="1449883409"/>
       </p:ext>
     </p:extLst>
   </p:cSld>
   <p:clrMapOvr>
     <a:masterClrMapping/>
   </p:clrMapOvr>
+  <p:timing>
+    <p:tnLst>
+      <p:par>
+        <p:cTn id="1" dur="indefinite" restart="never" nodeType="tmRoot"/>
+      </p:par>
+    </p:tnLst>
+  </p:timing>
 </p:sld>
 </file>
 
@@ -3750,17 +5044,31 @@
             <a:spLocks noGrp="1"/>
           </p:cNvSpPr>
           <p:nvPr>
-            <p:ph type="title"/>
-          </p:nvPr>
-        </p:nvSpPr>
-        <p:spPr/>
-        <p:txBody>
-          <a:bodyPr/>
-          <a:lstStyle/>
-          <a:p>
-            <a:r>
-              <a:rPr lang="ru-RU" dirty="0" smtClean="0"/>
-              <a:t>Заключение</a:t>
+            <p:ph type="ctrTitle"/>
+          </p:nvPr>
+        </p:nvSpPr>
+        <p:spPr>
+          <a:xfrm>
+            <a:off x="1524000" y="1470785"/>
+            <a:ext cx="9144000" cy="2387600"/>
+          </a:xfrm>
+        </p:spPr>
+        <p:txBody>
+          <a:bodyPr>
+            <a:normAutofit fontScale="90000"/>
+          </a:bodyPr>
+          <a:lstStyle/>
+          <a:p>
+            <a:r>
+              <a:rPr lang="ru-RU" dirty="0" smtClean="0"/>
+              <a:t>Мобильное приложение для учета личных расходов</a:t>
+            </a:r>
+            <a:br>
+              <a:rPr lang="ru-RU" dirty="0" smtClean="0"/>
+            </a:br>
+            <a:r>
+              <a:rPr lang="ru-RU" dirty="0" smtClean="0"/>
+              <a:t> «Мои расходы»</a:t>
             </a:r>
             <a:endParaRPr lang="ru-RU" dirty="0"/>
           </a:p>
@@ -3768,42 +5076,142 @@
       </p:sp>
       <p:sp>
         <p:nvSpPr>
-          <p:cNvPr id="3" name="Объект 2"/>
-          <p:cNvSpPr>
-            <a:spLocks noGrp="1"/>
-          </p:cNvSpPr>
-          <p:nvPr>
-            <p:ph idx="1"/>
-          </p:nvPr>
-        </p:nvSpPr>
-        <p:spPr/>
-        <p:txBody>
-          <a:bodyPr/>
-          <a:lstStyle/>
-          <a:p>
-            <a:r>
-              <a:rPr lang="ru-RU" dirty="0" smtClean="0"/>
-              <a:t>Удалось выполнить поставленную задачу</a:t>
-            </a:r>
-          </a:p>
-          <a:p>
-            <a:r>
-              <a:rPr lang="ru-RU" dirty="0" smtClean="0"/>
-              <a:t>Реализовано простое ,удобное, легковесное приложение для учета личных расходов.</a:t>
-            </a:r>
-          </a:p>
-          <a:p>
-            <a:r>
-              <a:rPr lang="ru-RU" dirty="0" smtClean="0"/>
-              <a:t>В дальнейшем приложение может быть дополнено новыми </a:t>
-            </a:r>
+          <p:cNvPr id="3" name="Подзаголовок 2"/>
+          <p:cNvSpPr>
+            <a:spLocks noGrp="1"/>
+          </p:cNvSpPr>
+          <p:nvPr>
+            <p:ph type="subTitle" idx="1"/>
+          </p:nvPr>
+        </p:nvSpPr>
+        <p:spPr>
+          <a:xfrm>
+            <a:off x="3048000" y="4902804"/>
+            <a:ext cx="9144000" cy="1253298"/>
+          </a:xfrm>
+        </p:spPr>
+        <p:txBody>
+          <a:bodyPr>
+            <a:normAutofit/>
+          </a:bodyPr>
+          <a:lstStyle/>
+          <a:p>
+            <a:pPr algn="r"/>
+            <a:r>
+              <a:rPr lang="ru-RU" dirty="0" smtClean="0"/>
+              <a:t>Выполнили: Добрынина </a:t>
+            </a:r>
+            <a:r>
+              <a:rPr lang="ru-RU" dirty="0" smtClean="0"/>
+              <a:t>Елизавета Алексеевна</a:t>
+            </a:r>
+            <a:br>
+              <a:rPr lang="ru-RU" dirty="0" smtClean="0"/>
+            </a:br>
             <a:r>
               <a:rPr lang="ru-RU" dirty="0" err="1" smtClean="0"/>
-              <a:t>функциями,например</a:t>
-            </a:r>
-            <a:r>
-              <a:rPr lang="ru-RU" dirty="0" smtClean="0"/>
-              <a:t>…</a:t>
+              <a:t>Немчанинова</a:t>
+            </a:r>
+            <a:r>
+              <a:rPr lang="ru-RU" dirty="0" smtClean="0"/>
+              <a:t> Юлия </a:t>
+            </a:r>
+            <a:r>
+              <a:rPr lang="ru-RU" dirty="0" smtClean="0"/>
+              <a:t>Евгеньевна</a:t>
+            </a:r>
+          </a:p>
+          <a:p>
+            <a:pPr algn="r"/>
+            <a:r>
+              <a:rPr lang="ru-RU" dirty="0"/>
+              <a:t>Руководитель</a:t>
+            </a:r>
+            <a:r>
+              <a:rPr lang="ru-RU" dirty="0" smtClean="0"/>
+              <a:t>: Полещук </a:t>
+            </a:r>
+            <a:r>
+              <a:rPr lang="ru-RU" dirty="0"/>
+              <a:t>Хасан </a:t>
+            </a:r>
+            <a:r>
+              <a:rPr lang="ru-RU" dirty="0" err="1"/>
+              <a:t>Абделжалилович</a:t>
+            </a:r>
+            <a:endParaRPr lang="ru-RU" dirty="0"/>
+          </a:p>
+        </p:txBody>
+      </p:sp>
+      <p:sp>
+        <p:nvSpPr>
+          <p:cNvPr id="4" name="Прямоугольник 3"/>
+          <p:cNvSpPr/>
+          <p:nvPr/>
+        </p:nvSpPr>
+        <p:spPr>
+          <a:xfrm>
+            <a:off x="0" y="270456"/>
+            <a:ext cx="12192000" cy="1200329"/>
+          </a:xfrm>
+          <a:prstGeom prst="rect">
+            <a:avLst/>
+          </a:prstGeom>
+        </p:spPr>
+        <p:txBody>
+          <a:bodyPr wrap="square">
+            <a:spAutoFit/>
+          </a:bodyPr>
+          <a:lstStyle/>
+          <a:p>
+            <a:pPr algn="ctr"/>
+            <a:r>
+              <a:rPr lang="ru-RU" sz="2400" dirty="0"/>
+              <a:t>Воронежский Государственный Университет</a:t>
+            </a:r>
+          </a:p>
+          <a:p>
+            <a:pPr algn="ctr"/>
+            <a:r>
+              <a:rPr lang="ru-RU" sz="2400" dirty="0"/>
+              <a:t>Факультет Компьютерных </a:t>
+            </a:r>
+            <a:r>
+              <a:rPr lang="ru-RU" sz="2400" dirty="0" smtClean="0"/>
+              <a:t>наук</a:t>
+            </a:r>
+          </a:p>
+          <a:p>
+            <a:pPr algn="ctr"/>
+            <a:endParaRPr lang="ru-RU" sz="2400" dirty="0"/>
+          </a:p>
+        </p:txBody>
+      </p:sp>
+      <p:sp>
+        <p:nvSpPr>
+          <p:cNvPr id="5" name="TextBox 4"/>
+          <p:cNvSpPr txBox="1"/>
+          <p:nvPr/>
+        </p:nvSpPr>
+        <p:spPr>
+          <a:xfrm>
+            <a:off x="5582558" y="6336406"/>
+            <a:ext cx="1026884" cy="369332"/>
+          </a:xfrm>
+          <a:prstGeom prst="rect">
+            <a:avLst/>
+          </a:prstGeom>
+          <a:noFill/>
+        </p:spPr>
+        <p:txBody>
+          <a:bodyPr wrap="none" rtlCol="0">
+            <a:spAutoFit/>
+          </a:bodyPr>
+          <a:lstStyle/>
+          <a:p>
+            <a:r>
+              <a:rPr lang="ru-RU" dirty="0" smtClean="0"/>
+              <a:t>Год 2019</a:t>
             </a:r>
             <a:endParaRPr lang="ru-RU" dirty="0"/>
           </a:p>
@@ -3812,118 +5220,20 @@
     </p:spTree>
     <p:extLst>
       <p:ext uri="{BB962C8B-B14F-4D97-AF65-F5344CB8AC3E}">
-        <p14:creationId xmlns:p14="http://schemas.microsoft.com/office/powerpoint/2010/main" val="1449883409"/>
+        <p14:creationId xmlns:p14="http://schemas.microsoft.com/office/powerpoint/2010/main" val="2581413330"/>
       </p:ext>
     </p:extLst>
   </p:cSld>
   <p:clrMapOvr>
     <a:masterClrMapping/>
   </p:clrMapOvr>
-</p:sld>
-</file>
-
-<file path=ppt/slides/slide17.xml><?xml version="1.0" encoding="utf-8"?>
-<p:sld xmlns:a="http://schemas.openxmlformats.org/drawingml/2006/main" xmlns:r="http://schemas.openxmlformats.org/officeDocument/2006/relationships" xmlns:p="http://schemas.openxmlformats.org/presentationml/2006/main">
-  <p:cSld>
-    <p:spTree>
-      <p:nvGrpSpPr>
-        <p:cNvPr id="1" name=""/>
-        <p:cNvGrpSpPr/>
-        <p:nvPr/>
-      </p:nvGrpSpPr>
-      <p:grpSpPr>
-        <a:xfrm>
-          <a:off x="0" y="0"/>
-          <a:ext cx="0" cy="0"/>
-          <a:chOff x="0" y="0"/>
-          <a:chExt cx="0" cy="0"/>
-        </a:xfrm>
-      </p:grpSpPr>
-      <p:sp>
-        <p:nvSpPr>
-          <p:cNvPr id="2" name="Заголовок 1"/>
-          <p:cNvSpPr>
-            <a:spLocks noGrp="1"/>
-          </p:cNvSpPr>
-          <p:nvPr>
-            <p:ph type="ctrTitle"/>
-          </p:nvPr>
-        </p:nvSpPr>
-        <p:spPr/>
-        <p:txBody>
-          <a:bodyPr/>
-          <a:lstStyle/>
-          <a:p>
-            <a:r>
-              <a:rPr lang="ru-RU" dirty="0" smtClean="0"/>
-              <a:t>Мобильное приложение «Мои расходы»</a:t>
-            </a:r>
-            <a:endParaRPr lang="ru-RU" dirty="0"/>
-          </a:p>
-        </p:txBody>
-      </p:sp>
-      <p:sp>
-        <p:nvSpPr>
-          <p:cNvPr id="3" name="Подзаголовок 2"/>
-          <p:cNvSpPr>
-            <a:spLocks noGrp="1"/>
-          </p:cNvSpPr>
-          <p:nvPr>
-            <p:ph type="subTitle" idx="1"/>
-          </p:nvPr>
-        </p:nvSpPr>
-        <p:spPr/>
-        <p:txBody>
-          <a:bodyPr>
-            <a:normAutofit lnSpcReduction="10000"/>
-          </a:bodyPr>
-          <a:lstStyle/>
-          <a:p>
-            <a:r>
-              <a:rPr lang="ru-RU" dirty="0" smtClean="0"/>
-              <a:t>Воронежский Государственный Университет</a:t>
-            </a:r>
-          </a:p>
-          <a:p>
-            <a:r>
-              <a:rPr lang="ru-RU" dirty="0" smtClean="0"/>
-              <a:t>Факультет Компьютерных наук</a:t>
-            </a:r>
-          </a:p>
-          <a:p>
-            <a:r>
-              <a:rPr lang="ru-RU" dirty="0" smtClean="0"/>
-              <a:t>Добрынина Елизавета Алексеевна</a:t>
-            </a:r>
-            <a:br>
-              <a:rPr lang="ru-RU" dirty="0" smtClean="0"/>
-            </a:br>
-            <a:r>
-              <a:rPr lang="ru-RU" dirty="0" err="1" smtClean="0"/>
-              <a:t>Немчанинова</a:t>
-            </a:r>
-            <a:r>
-              <a:rPr lang="ru-RU" dirty="0" smtClean="0"/>
-              <a:t> Юлия </a:t>
-            </a:r>
-            <a:r>
-              <a:rPr lang="ru-RU" dirty="0" err="1" smtClean="0"/>
-              <a:t>Евгеньена</a:t>
-            </a:r>
-            <a:endParaRPr lang="ru-RU" dirty="0"/>
-          </a:p>
-        </p:txBody>
-      </p:sp>
-    </p:spTree>
-    <p:extLst>
-      <p:ext uri="{BB962C8B-B14F-4D97-AF65-F5344CB8AC3E}">
-        <p14:creationId xmlns:p14="http://schemas.microsoft.com/office/powerpoint/2010/main" val="427785490"/>
-      </p:ext>
-    </p:extLst>
-  </p:cSld>
-  <p:clrMapOvr>
-    <a:masterClrMapping/>
-  </p:clrMapOvr>
+  <p:timing>
+    <p:tnLst>
+      <p:par>
+        <p:cTn id="1" dur="indefinite" restart="never" nodeType="tmRoot"/>
+      </p:par>
+    </p:tnLst>
+  </p:timing>
 </p:sld>
 </file>
 
@@ -4354,6 +5664,29 @@
           </a:p>
         </p:txBody>
       </p:sp>
+      <p:sp>
+        <p:nvSpPr>
+          <p:cNvPr id="4" name="Номер слайда 3"/>
+          <p:cNvSpPr>
+            <a:spLocks noGrp="1"/>
+          </p:cNvSpPr>
+          <p:nvPr>
+            <p:ph type="sldNum" sz="quarter" idx="12"/>
+          </p:nvPr>
+        </p:nvSpPr>
+        <p:spPr/>
+        <p:txBody>
+          <a:bodyPr/>
+          <a:lstStyle/>
+          <a:p>
+            <a:fld id="{41D38445-233B-4E88-98F3-826CC3B1C728}" type="slidenum">
+              <a:rPr lang="ru-RU" sz="2000" smtClean="0"/>
+              <a:t>2</a:t>
+            </a:fld>
+            <a:endParaRPr lang="ru-RU" sz="2000" dirty="0"/>
+          </a:p>
+        </p:txBody>
+      </p:sp>
     </p:spTree>
     <p:extLst>
       <p:ext uri="{BB962C8B-B14F-4D97-AF65-F5344CB8AC3E}">
@@ -4364,6 +5697,13 @@
   <p:clrMapOvr>
     <a:masterClrMapping/>
   </p:clrMapOvr>
+  <p:timing>
+    <p:tnLst>
+      <p:par>
+        <p:cTn id="1" dur="indefinite" restart="never" nodeType="tmRoot"/>
+      </p:par>
+    </p:tnLst>
+  </p:timing>
 </p:sld>
 </file>
 
@@ -4424,32 +5764,51 @@
           <a:p>
             <a:r>
               <a:rPr lang="ru-RU" dirty="0" smtClean="0"/>
-              <a:t>Мобильное приложение позволит заменить другие менее удобные способы ведения личных расходов, такие как бумажный блокнот или онлайн-сервисы.</a:t>
-            </a:r>
-          </a:p>
-          <a:p>
-            <a:r>
-              <a:rPr lang="ru-RU" dirty="0" smtClean="0"/>
-              <a:t>Самый быстрый способ добавления записей о расходах</a:t>
-            </a:r>
-          </a:p>
-          <a:p>
-            <a:r>
-              <a:rPr lang="ru-RU" dirty="0" smtClean="0"/>
-              <a:t>Удобный просмотр</a:t>
-            </a:r>
-          </a:p>
-          <a:p>
-            <a:r>
-              <a:rPr lang="ru-RU" dirty="0" smtClean="0"/>
-              <a:t>Возможность получения отчёта для анализа финансов</a:t>
-            </a:r>
-          </a:p>
-          <a:p>
-            <a:r>
-              <a:rPr lang="ru-RU" dirty="0" smtClean="0"/>
-              <a:t>Персональные настройки по категориям для удобного анализа  </a:t>
-            </a:r>
+              <a:t>Позволит заменить другие способы ведения личных расходов, такие как бумажный блокнот или онлайн-сервисы</a:t>
+            </a:r>
+          </a:p>
+          <a:p>
+            <a:r>
+              <a:rPr lang="ru-RU" dirty="0" smtClean="0"/>
+              <a:t>Удобный </a:t>
+            </a:r>
+            <a:r>
+              <a:rPr lang="ru-RU" dirty="0" smtClean="0"/>
+              <a:t>просмотр</a:t>
+            </a:r>
+          </a:p>
+          <a:p>
+            <a:r>
+              <a:rPr lang="ru-RU" dirty="0" smtClean="0"/>
+              <a:t>Возможность получения отчёта для анализа </a:t>
+            </a:r>
+            <a:r>
+              <a:rPr lang="ru-RU" dirty="0" smtClean="0"/>
+              <a:t>финансов</a:t>
+            </a:r>
+            <a:endParaRPr lang="ru-RU" dirty="0" smtClean="0"/>
+          </a:p>
+        </p:txBody>
+      </p:sp>
+      <p:sp>
+        <p:nvSpPr>
+          <p:cNvPr id="4" name="Номер слайда 3"/>
+          <p:cNvSpPr>
+            <a:spLocks noGrp="1"/>
+          </p:cNvSpPr>
+          <p:nvPr>
+            <p:ph type="sldNum" sz="quarter" idx="12"/>
+          </p:nvPr>
+        </p:nvSpPr>
+        <p:spPr/>
+        <p:txBody>
+          <a:bodyPr/>
+          <a:lstStyle/>
+          <a:p>
+            <a:fld id="{41D38445-233B-4E88-98F3-826CC3B1C728}" type="slidenum">
+              <a:rPr lang="ru-RU" sz="2000" smtClean="0"/>
+              <a:t>3</a:t>
+            </a:fld>
             <a:endParaRPr lang="ru-RU" dirty="0"/>
           </a:p>
         </p:txBody>
@@ -4464,6 +5823,13 @@
   <p:clrMapOvr>
     <a:masterClrMapping/>
   </p:clrMapOvr>
+  <p:timing>
+    <p:tnLst>
+      <p:par>
+        <p:cTn id="1" dur="indefinite" restart="never" nodeType="tmRoot"/>
+      </p:par>
+    </p:tnLst>
+  </p:timing>
 </p:sld>
 </file>
 
@@ -4517,52 +5883,44 @@
             <p:ph idx="1"/>
           </p:nvPr>
         </p:nvSpPr>
-        <p:spPr/>
-        <p:txBody>
-          <a:bodyPr/>
+        <p:spPr>
+          <a:xfrm>
+            <a:off x="838200" y="1488181"/>
+            <a:ext cx="10515600" cy="4351338"/>
+          </a:xfrm>
+        </p:spPr>
+        <p:txBody>
+          <a:bodyPr>
+            <a:normAutofit/>
+          </a:bodyPr>
           <a:lstStyle/>
           <a:p>
             <a:pPr marL="0" indent="0">
               <a:buNone/>
             </a:pPr>
+            <a:endParaRPr lang="ru-RU" dirty="0"/>
+          </a:p>
+          <a:p>
+            <a:pPr marL="0" indent="0">
+              <a:buNone/>
+            </a:pPr>
             <a:r>
               <a:rPr lang="ru-RU" b="1" dirty="0" smtClean="0"/>
-              <a:t>Реализовать </a:t>
-            </a:r>
-            <a:r>
-              <a:rPr lang="ru-RU" b="1" dirty="0"/>
-              <a:t>клиент-серверное </a:t>
-            </a:r>
-            <a:r>
-              <a:rPr lang="ru-RU" b="1" dirty="0" err="1"/>
-              <a:t>Android</a:t>
-            </a:r>
-            <a:r>
-              <a:rPr lang="ru-RU" b="1" dirty="0"/>
-              <a:t>-приложение для отслеживания личных расходов</a:t>
-            </a:r>
-            <a:r>
-              <a:rPr lang="ru-RU" b="1" dirty="0" smtClean="0"/>
-              <a:t>.</a:t>
-            </a:r>
-          </a:p>
-          <a:p>
-            <a:pPr marL="0" indent="0">
-              <a:buNone/>
-            </a:pPr>
-            <a:r>
-              <a:rPr lang="ru-RU" dirty="0" smtClean="0"/>
-              <a:t>Приложение должно позволять пользователю:</a:t>
-            </a:r>
-          </a:p>
-          <a:p>
-            <a:r>
-              <a:rPr lang="ru-RU" dirty="0" err="1" smtClean="0"/>
-              <a:t>Добавлять,изменять,удалять</a:t>
-            </a:r>
-            <a:r>
-              <a:rPr lang="ru-RU" dirty="0" smtClean="0"/>
-              <a:t> категории расходов</a:t>
+              <a:t>Функциональные требования</a:t>
+            </a:r>
+          </a:p>
+          <a:p>
+            <a:r>
+              <a:rPr lang="ru-RU" dirty="0" smtClean="0"/>
+              <a:t>Добавлять</a:t>
+            </a:r>
+            <a:r>
+              <a:rPr lang="ru-RU" dirty="0" smtClean="0"/>
+              <a:t>, изменять, удалять </a:t>
+            </a:r>
+            <a:r>
+              <a:rPr lang="ru-RU" dirty="0" smtClean="0"/>
+              <a:t>категории расходов</a:t>
             </a:r>
           </a:p>
           <a:p>
@@ -4573,13 +5931,36 @@
           </a:p>
           <a:p>
             <a:r>
-              <a:rPr lang="ru-RU" dirty="0" err="1" smtClean="0"/>
-              <a:t>Добавлять,изменять</a:t>
-            </a:r>
-            <a:r>
-              <a:rPr lang="ru-RU" dirty="0" smtClean="0"/>
-              <a:t> ,удалять записи о расходах</a:t>
-            </a:r>
+              <a:rPr lang="ru-RU" dirty="0" smtClean="0"/>
+              <a:t>Добавлять</a:t>
+            </a:r>
+            <a:r>
+              <a:rPr lang="ru-RU" dirty="0" smtClean="0"/>
+              <a:t>, изменять, удалять </a:t>
+            </a:r>
+            <a:r>
+              <a:rPr lang="ru-RU" dirty="0" smtClean="0"/>
+              <a:t>записи о </a:t>
+            </a:r>
+            <a:r>
+              <a:rPr lang="ru-RU" dirty="0" smtClean="0"/>
+              <a:t>расходах</a:t>
+            </a:r>
+          </a:p>
+          <a:p>
+            <a:r>
+              <a:rPr lang="ru-RU" dirty="0" smtClean="0"/>
+              <a:t>Получать </a:t>
+            </a:r>
+            <a:r>
+              <a:rPr lang="ru-RU" dirty="0"/>
+              <a:t>уведомления о превышении порога по </a:t>
+            </a:r>
+            <a:r>
+              <a:rPr lang="ru-RU" dirty="0" smtClean="0"/>
+              <a:t>категории</a:t>
+            </a:r>
+            <a:endParaRPr lang="ru-RU" dirty="0" smtClean="0"/>
           </a:p>
           <a:p>
             <a:r>
@@ -4588,16 +5969,30 @@
             </a:r>
           </a:p>
           <a:p>
-            <a:pPr marL="0" indent="0">
-              <a:buNone/>
-            </a:pPr>
-            <a:r>
-              <a:rPr lang="ru-RU" dirty="0" smtClean="0"/>
-              <a:t>Можно здесь вставить диаграмму использования ,вместо списка</a:t>
-            </a:r>
-          </a:p>
-          <a:p>
             <a:endParaRPr lang="ru-RU" dirty="0"/>
+          </a:p>
+        </p:txBody>
+      </p:sp>
+      <p:sp>
+        <p:nvSpPr>
+          <p:cNvPr id="4" name="Номер слайда 3"/>
+          <p:cNvSpPr>
+            <a:spLocks noGrp="1"/>
+          </p:cNvSpPr>
+          <p:nvPr>
+            <p:ph type="sldNum" sz="quarter" idx="12"/>
+          </p:nvPr>
+        </p:nvSpPr>
+        <p:spPr/>
+        <p:txBody>
+          <a:bodyPr/>
+          <a:lstStyle/>
+          <a:p>
+            <a:fld id="{41D38445-233B-4E88-98F3-826CC3B1C728}" type="slidenum">
+              <a:rPr lang="ru-RU" sz="2000" smtClean="0"/>
+              <a:t>4</a:t>
+            </a:fld>
+            <a:endParaRPr lang="ru-RU" sz="2000" dirty="0"/>
           </a:p>
         </p:txBody>
       </p:sp>
@@ -4611,6 +6006,13 @@
   <p:clrMapOvr>
     <a:masterClrMapping/>
   </p:clrMapOvr>
+  <p:timing>
+    <p:tnLst>
+      <p:par>
+        <p:cTn id="1" dur="indefinite" restart="never" nodeType="tmRoot"/>
+      </p:par>
+    </p:tnLst>
+  </p:timing>
 </p:sld>
 </file>
 
@@ -4666,22 +6068,108 @@
         </p:nvSpPr>
         <p:spPr/>
         <p:txBody>
-          <a:bodyPr/>
-          <a:lstStyle/>
-          <a:p>
-            <a:r>
-              <a:rPr lang="ru-RU" dirty="0" smtClean="0"/>
-              <a:t>Данные пользователя должны храниться в базе данных  на сервере</a:t>
-            </a:r>
-          </a:p>
-          <a:p>
-            <a:r>
-              <a:rPr lang="ru-RU" dirty="0" smtClean="0"/>
-              <a:t>Клиентское приложение делает запросы к серверу через Интернет.</a:t>
-            </a:r>
-          </a:p>
-          <a:p>
+          <a:bodyPr>
+            <a:normAutofit/>
+          </a:bodyPr>
+          <a:lstStyle/>
+          <a:p>
+            <a:pPr marL="0" indent="0">
+              <a:buNone/>
+            </a:pPr>
+            <a:r>
+              <a:rPr lang="ru-RU" b="1" dirty="0" smtClean="0"/>
+              <a:t>Не функциональные требования</a:t>
+            </a:r>
+          </a:p>
+          <a:p>
+            <a:r>
+              <a:rPr lang="ru-RU" dirty="0"/>
+              <a:t>Удобство использования</a:t>
+            </a:r>
+          </a:p>
+          <a:p>
+            <a:r>
+              <a:rPr lang="ru-RU" dirty="0" smtClean="0"/>
+              <a:t>Стильный дизайн</a:t>
+            </a:r>
+          </a:p>
+          <a:p>
+            <a:pPr marL="0" indent="0">
+              <a:buNone/>
+            </a:pPr>
+            <a:r>
+              <a:rPr lang="ru-RU" b="1" dirty="0"/>
+              <a:t>Требования к архитектурному решению</a:t>
+            </a:r>
+          </a:p>
+          <a:p>
+            <a:r>
+              <a:rPr lang="ru-RU" dirty="0" smtClean="0"/>
+              <a:t>Клиент-серверное приложение </a:t>
+            </a:r>
+            <a:endParaRPr lang="ru-RU" dirty="0" smtClean="0"/>
+          </a:p>
+          <a:p>
+            <a:r>
+              <a:rPr lang="ru-RU" dirty="0" smtClean="0"/>
+              <a:t>Данные </a:t>
+            </a:r>
+            <a:r>
+              <a:rPr lang="ru-RU" dirty="0"/>
+              <a:t>пользователя должны храниться в базе данных  на </a:t>
+            </a:r>
+            <a:r>
+              <a:rPr lang="ru-RU" dirty="0" smtClean="0"/>
+              <a:t>сервере</a:t>
+            </a:r>
             <a:endParaRPr lang="ru-RU" dirty="0"/>
+          </a:p>
+          <a:p>
+            <a:r>
+              <a:rPr lang="ru-RU" dirty="0" smtClean="0"/>
+              <a:t>Клиентское </a:t>
+            </a:r>
+            <a:r>
+              <a:rPr lang="ru-RU" dirty="0"/>
+              <a:t>приложение делает запросы к серверу через </a:t>
+            </a:r>
+            <a:r>
+              <a:rPr lang="ru-RU" dirty="0" smtClean="0"/>
+              <a:t>Интернет</a:t>
+            </a:r>
+            <a:endParaRPr lang="ru-RU" dirty="0"/>
+          </a:p>
+          <a:p>
+            <a:pPr marL="0" indent="0">
+              <a:buNone/>
+            </a:pPr>
+            <a:endParaRPr lang="ru-RU" dirty="0" smtClean="0"/>
+          </a:p>
+          <a:p>
+            <a:endParaRPr lang="ru-RU" dirty="0" smtClean="0"/>
+          </a:p>
+        </p:txBody>
+      </p:sp>
+      <p:sp>
+        <p:nvSpPr>
+          <p:cNvPr id="4" name="Номер слайда 3"/>
+          <p:cNvSpPr>
+            <a:spLocks noGrp="1"/>
+          </p:cNvSpPr>
+          <p:nvPr>
+            <p:ph type="sldNum" sz="quarter" idx="12"/>
+          </p:nvPr>
+        </p:nvSpPr>
+        <p:spPr/>
+        <p:txBody>
+          <a:bodyPr/>
+          <a:lstStyle/>
+          <a:p>
+            <a:fld id="{41D38445-233B-4E88-98F3-826CC3B1C728}" type="slidenum">
+              <a:rPr lang="ru-RU" sz="2000" smtClean="0"/>
+              <a:t>5</a:t>
+            </a:fld>
+            <a:endParaRPr lang="ru-RU" sz="2000" dirty="0"/>
           </a:p>
         </p:txBody>
       </p:sp>
@@ -4695,6 +6183,13 @@
   <p:clrMapOvr>
     <a:masterClrMapping/>
   </p:clrMapOvr>
+  <p:timing>
+    <p:tnLst>
+      <p:par>
+        <p:cTn id="1" dur="indefinite" restart="never" nodeType="tmRoot"/>
+      </p:par>
+    </p:tnLst>
+  </p:timing>
 </p:sld>
 </file>
 
@@ -4738,35 +6233,68 @@
           </a:p>
         </p:txBody>
       </p:sp>
+      <p:sp>
+        <p:nvSpPr>
+          <p:cNvPr id="3" name="Номер слайда 2"/>
+          <p:cNvSpPr>
+            <a:spLocks noGrp="1"/>
+          </p:cNvSpPr>
+          <p:nvPr>
+            <p:ph type="sldNum" sz="quarter" idx="12"/>
+          </p:nvPr>
+        </p:nvSpPr>
+        <p:spPr/>
+        <p:txBody>
+          <a:bodyPr/>
+          <a:lstStyle/>
+          <a:p>
+            <a:fld id="{41D38445-233B-4E88-98F3-826CC3B1C728}" type="slidenum">
+              <a:rPr lang="ru-RU" sz="2000" smtClean="0"/>
+              <a:t>6</a:t>
+            </a:fld>
+            <a:endParaRPr lang="ru-RU" dirty="0"/>
+          </a:p>
+        </p:txBody>
+      </p:sp>
       <p:pic>
         <p:nvPicPr>
-          <p:cNvPr id="7" name="Объект 6"/>
+          <p:cNvPr id="1026" name="Picture 2" descr="https://pp.userapi.com/c855216/v855216792/5ee3e/b8HLw4bcoPI.jpg"/>
           <p:cNvPicPr>
-            <a:picLocks noGrp="1"/>
+            <a:picLocks noGrp="1" noChangeAspect="1" noChangeArrowheads="1"/>
           </p:cNvPicPr>
           <p:nvPr>
             <p:ph idx="1"/>
           </p:nvPr>
         </p:nvPicPr>
-        <p:blipFill rotWithShape="1">
-          <a:blip r:embed="rId2"/>
-          <a:srcRect l="4970" t="25951" r="21272" b="14163"/>
-          <a:stretch/>
+        <p:blipFill>
+          <a:blip r:embed="rId2">
+            <a:extLst>
+              <a:ext uri="{28A0092B-C50C-407E-A947-70E740481C1C}">
+                <a14:useLocalDpi xmlns:a14="http://schemas.microsoft.com/office/drawing/2010/main" val="0"/>
+              </a:ext>
+            </a:extLst>
+          </a:blip>
+          <a:srcRect/>
+          <a:stretch>
+            <a:fillRect/>
+          </a:stretch>
         </p:blipFill>
         <p:spPr bwMode="auto">
           <a:xfrm>
-            <a:off x="1239716" y="1690688"/>
-            <a:ext cx="9532264" cy="4351338"/>
+            <a:off x="181378" y="1802917"/>
+            <a:ext cx="11837416" cy="3992576"/>
           </a:xfrm>
           <a:prstGeom prst="rect">
             <a:avLst/>
           </a:prstGeom>
-          <a:ln>
-            <a:noFill/>
-          </a:ln>
+          <a:noFill/>
           <a:extLst>
-            <a:ext uri="{53640926-AAD7-44D8-BBD7-CCE9431645EC}">
-              <a14:shadowObscured xmlns:a14="http://schemas.microsoft.com/office/drawing/2010/main"/>
+            <a:ext uri="{909E8E84-426E-40DD-AFC4-6F175D3DCCD1}">
+              <a14:hiddenFill xmlns:a14="http://schemas.microsoft.com/office/drawing/2010/main">
+                <a:solidFill>
+                  <a:srgbClr val="FFFFFF"/>
+                </a:solidFill>
+              </a14:hiddenFill>
             </a:ext>
           </a:extLst>
         </p:spPr>
@@ -4781,6 +6309,13 @@
   <p:clrMapOvr>
     <a:masterClrMapping/>
   </p:clrMapOvr>
+  <p:timing>
+    <p:tnLst>
+      <p:par>
+        <p:cTn id="1" dur="indefinite" restart="never" nodeType="tmRoot"/>
+      </p:par>
+    </p:tnLst>
+  </p:timing>
 </p:sld>
 </file>
 
@@ -4834,14 +6369,11 @@
             <p:ph idx="1"/>
           </p:nvPr>
         </p:nvSpPr>
-        <p:spPr>
-          <a:xfrm>
-            <a:off x="838200" y="1450562"/>
-            <a:ext cx="10515600" cy="480253"/>
-          </a:xfrm>
-        </p:spPr>
-        <p:txBody>
-          <a:bodyPr/>
+        <p:spPr/>
+        <p:txBody>
+          <a:bodyPr>
+            <a:normAutofit lnSpcReduction="10000"/>
+          </a:bodyPr>
           <a:lstStyle/>
           <a:p>
             <a:pPr marL="0" indent="0">
@@ -4849,122 +6381,188 @@
             </a:pPr>
             <a:r>
               <a:rPr lang="ru-RU" dirty="0" smtClean="0"/>
-              <a:t>Необходимые </a:t>
+              <a:t>Выбранные технологии:</a:t>
+            </a:r>
+          </a:p>
+          <a:p>
+            <a:r>
+              <a:rPr lang="en-US" dirty="0" smtClean="0"/>
+              <a:t>OS </a:t>
+            </a:r>
+            <a:r>
+              <a:rPr lang="en-US" dirty="0" smtClean="0"/>
+              <a:t>Android 4.4(API -14)</a:t>
+            </a:r>
+          </a:p>
+          <a:p>
+            <a:r>
+              <a:rPr lang="ru-RU" dirty="0" smtClean="0"/>
+              <a:t>Язык клиентской части- </a:t>
+            </a:r>
+            <a:r>
+              <a:rPr lang="en-US" dirty="0" smtClean="0"/>
+              <a:t>Java</a:t>
+            </a:r>
+            <a:endParaRPr lang="ru-RU" dirty="0" smtClean="0"/>
+          </a:p>
+          <a:p>
+            <a:r>
+              <a:rPr lang="ru-RU" dirty="0" smtClean="0"/>
+              <a:t>Взаимодействие с внешними </a:t>
+            </a:r>
+            <a:r>
+              <a:rPr lang="en-US" dirty="0" smtClean="0"/>
+              <a:t>API</a:t>
+            </a:r>
+            <a:r>
+              <a:rPr lang="ru-RU" dirty="0" smtClean="0"/>
+              <a:t> сервисами с помощью библиотеки </a:t>
+            </a:r>
+            <a:r>
+              <a:rPr lang="en-US" dirty="0" smtClean="0"/>
+              <a:t>Volley</a:t>
+            </a:r>
+            <a:r>
+              <a:rPr lang="ru-RU" dirty="0" smtClean="0"/>
+              <a:t> </a:t>
+            </a:r>
+            <a:endParaRPr lang="en-US" dirty="0" smtClean="0"/>
+          </a:p>
+          <a:p>
+            <a:r>
+              <a:rPr lang="ru-RU" dirty="0"/>
+              <a:t>Язык сервер части </a:t>
+            </a:r>
+            <a:r>
+              <a:rPr lang="ru-RU" dirty="0" smtClean="0"/>
+              <a:t>– </a:t>
+            </a:r>
+            <a:r>
+              <a:rPr lang="en-US" dirty="0" smtClean="0"/>
+              <a:t>Python</a:t>
+            </a:r>
+            <a:r>
+              <a:rPr lang="ru-RU" dirty="0" smtClean="0"/>
+              <a:t> с использование </a:t>
             </a:r>
             <a:r>
               <a:rPr lang="ru-RU" dirty="0" err="1" smtClean="0"/>
-              <a:t>сущности.Схема</a:t>
-            </a:r>
-            <a:r>
-              <a:rPr lang="ru-RU" dirty="0" smtClean="0"/>
-              <a:t> СУБД</a:t>
+              <a:t>фреймворка</a:t>
+            </a:r>
+            <a:r>
+              <a:rPr lang="en-US" dirty="0" smtClean="0"/>
+              <a:t> </a:t>
+            </a:r>
+            <a:r>
+              <a:rPr lang="en-US" dirty="0" err="1" smtClean="0"/>
+              <a:t>FastAPI</a:t>
             </a:r>
             <a:endParaRPr lang="ru-RU" dirty="0" smtClean="0"/>
           </a:p>
-        </p:txBody>
-      </p:sp>
-      <p:sp>
-        <p:nvSpPr>
-          <p:cNvPr id="4" name="Rectangle 2"/>
-          <p:cNvSpPr>
-            <a:spLocks noChangeArrowheads="1"/>
-          </p:cNvSpPr>
-          <p:nvPr/>
-        </p:nvSpPr>
-        <p:spPr bwMode="auto">
-          <a:xfrm>
-            <a:off x="2240924" y="3019804"/>
-            <a:ext cx="13868298" cy="45719"/>
-          </a:xfrm>
-          <a:prstGeom prst="rect">
-            <a:avLst/>
-          </a:prstGeom>
-          <a:noFill/>
-          <a:ln>
-            <a:noFill/>
-          </a:ln>
-          <a:effectLst/>
-          <a:extLst>
-            <a:ext uri="{909E8E84-426E-40DD-AFC4-6F175D3DCCD1}">
-              <a14:hiddenFill xmlns:a14="http://schemas.microsoft.com/office/drawing/2010/main">
-                <a:solidFill>
-                  <a:schemeClr val="accent1"/>
-                </a:solidFill>
-              </a14:hiddenFill>
-            </a:ext>
-            <a:ext uri="{91240B29-F687-4F45-9708-019B960494DF}">
-              <a14:hiddenLine xmlns:a14="http://schemas.microsoft.com/office/drawing/2010/main" w="9525">
-                <a:solidFill>
-                  <a:schemeClr val="tx1"/>
-                </a:solidFill>
-                <a:miter lim="800000"/>
-                <a:headEnd/>
-                <a:tailEnd/>
-              </a14:hiddenLine>
-            </a:ext>
-            <a:ext uri="{AF507438-7753-43E0-B8FC-AC1667EBCBE1}">
-              <a14:hiddenEffects xmlns:a14="http://schemas.microsoft.com/office/drawing/2010/main">
-                <a:effectLst>
-                  <a:outerShdw dist="35921" dir="2700000" algn="ctr" rotWithShape="0">
-                    <a:schemeClr val="bg2"/>
-                  </a:outerShdw>
-                </a:effectLst>
-              </a14:hiddenEffects>
-            </a:ext>
-          </a:extLst>
-        </p:spPr>
-        <p:txBody>
-          <a:bodyPr vert="horz" wrap="square" lIns="91440" tIns="45720" rIns="91440" bIns="45720" numCol="1" anchor="ctr" anchorCtr="0" compatLnSpc="1">
-            <a:prstTxWarp prst="textNoShape">
-              <a:avLst/>
-            </a:prstTxWarp>
-            <a:spAutoFit/>
-          </a:bodyPr>
-          <a:lstStyle/>
-          <a:p>
-            <a:endParaRPr lang="ru-RU"/>
-          </a:p>
-        </p:txBody>
-      </p:sp>
-      <p:pic>
-        <p:nvPicPr>
-          <p:cNvPr id="5" name="Рисунок 4"/>
-          <p:cNvPicPr/>
-          <p:nvPr/>
-        </p:nvPicPr>
-        <p:blipFill rotWithShape="1">
-          <a:blip r:embed="rId2"/>
-          <a:srcRect l="20677" t="25028" r="31202" b="15944"/>
-          <a:stretch/>
-        </p:blipFill>
-        <p:spPr bwMode="auto">
-          <a:xfrm>
-            <a:off x="2818537" y="1868006"/>
-            <a:ext cx="6554925" cy="4989994"/>
-          </a:xfrm>
-          <a:prstGeom prst="rect">
-            <a:avLst/>
-          </a:prstGeom>
-          <a:ln>
-            <a:noFill/>
-          </a:ln>
-          <a:extLst>
-            <a:ext uri="{53640926-AAD7-44D8-BBD7-CCE9431645EC}">
-              <a14:shadowObscured xmlns:a14="http://schemas.microsoft.com/office/drawing/2010/main"/>
-            </a:ext>
-          </a:extLst>
-        </p:spPr>
-      </p:pic>
+          <a:p>
+            <a:r>
+              <a:rPr lang="en-US" dirty="0" smtClean="0"/>
+              <a:t>ORM </a:t>
+            </a:r>
+            <a:r>
+              <a:rPr lang="en-US" dirty="0"/>
+              <a:t>Peewee</a:t>
+            </a:r>
+            <a:endParaRPr lang="en-US" dirty="0"/>
+          </a:p>
+          <a:p>
+            <a:r>
+              <a:rPr lang="ru-RU" dirty="0" smtClean="0"/>
+              <a:t>СУБД </a:t>
+            </a:r>
+            <a:r>
+              <a:rPr lang="ru-RU" dirty="0" smtClean="0"/>
+              <a:t>– </a:t>
+            </a:r>
+            <a:r>
+              <a:rPr lang="en-US" dirty="0" smtClean="0"/>
+              <a:t>SQLite</a:t>
+            </a:r>
+          </a:p>
+          <a:p>
+            <a:r>
+              <a:rPr lang="ru-RU" dirty="0" smtClean="0"/>
+              <a:t>Сервер </a:t>
+            </a:r>
+            <a:r>
+              <a:rPr lang="ru-RU" dirty="0" smtClean="0"/>
+              <a:t>развернут на облачном </a:t>
+            </a:r>
+            <a:r>
+              <a:rPr lang="ru-RU" dirty="0" smtClean="0"/>
+              <a:t>хостинге «</a:t>
+            </a:r>
+            <a:r>
+              <a:rPr lang="en-US" dirty="0" smtClean="0"/>
+              <a:t>D</a:t>
+            </a:r>
+            <a:r>
+              <a:rPr lang="en-GB" dirty="0" err="1" smtClean="0"/>
+              <a:t>igital</a:t>
+            </a:r>
+            <a:r>
+              <a:rPr lang="en-US" dirty="0"/>
+              <a:t>O</a:t>
+            </a:r>
+            <a:r>
+              <a:rPr lang="en-GB" dirty="0" err="1" smtClean="0"/>
+              <a:t>cean</a:t>
+            </a:r>
+            <a:r>
+              <a:rPr lang="ru-RU" dirty="0" smtClean="0"/>
+              <a:t>»</a:t>
+            </a:r>
+          </a:p>
+          <a:p>
+            <a:endParaRPr lang="ru-RU" dirty="0"/>
+          </a:p>
+        </p:txBody>
+      </p:sp>
+      <p:sp>
+        <p:nvSpPr>
+          <p:cNvPr id="4" name="Номер слайда 3"/>
+          <p:cNvSpPr>
+            <a:spLocks noGrp="1"/>
+          </p:cNvSpPr>
+          <p:nvPr>
+            <p:ph type="sldNum" sz="quarter" idx="12"/>
+          </p:nvPr>
+        </p:nvSpPr>
+        <p:spPr/>
+        <p:txBody>
+          <a:bodyPr/>
+          <a:lstStyle/>
+          <a:p>
+            <a:fld id="{41D38445-233B-4E88-98F3-826CC3B1C728}" type="slidenum">
+              <a:rPr lang="ru-RU" sz="2000" smtClean="0"/>
+              <a:t>7</a:t>
+            </a:fld>
+            <a:endParaRPr lang="ru-RU" dirty="0"/>
+          </a:p>
+        </p:txBody>
+      </p:sp>
     </p:spTree>
     <p:extLst>
       <p:ext uri="{BB962C8B-B14F-4D97-AF65-F5344CB8AC3E}">
-        <p14:creationId xmlns:p14="http://schemas.microsoft.com/office/powerpoint/2010/main" val="3869025628"/>
+        <p14:creationId xmlns:p14="http://schemas.microsoft.com/office/powerpoint/2010/main" val="1263031265"/>
       </p:ext>
     </p:extLst>
   </p:cSld>
   <p:clrMapOvr>
     <a:masterClrMapping/>
   </p:clrMapOvr>
+  <p:timing>
+    <p:tnLst>
+      <p:par>
+        <p:cTn id="1" dur="indefinite" restart="never" nodeType="tmRoot"/>
+      </p:par>
+    </p:tnLst>
+  </p:timing>
 </p:sld>
 </file>
 
@@ -5001,158 +6599,60 @@
           <a:lstStyle/>
           <a:p>
             <a:r>
-              <a:rPr lang="ru-RU" dirty="0" smtClean="0"/>
+              <a:rPr lang="ru-RU" dirty="0"/>
               <a:t>Анализ предметной области</a:t>
             </a:r>
-            <a:endParaRPr lang="ru-RU" dirty="0"/>
-          </a:p>
-        </p:txBody>
-      </p:sp>
-      <p:sp>
-        <p:nvSpPr>
-          <p:cNvPr id="3" name="Объект 2"/>
-          <p:cNvSpPr>
-            <a:spLocks noGrp="1"/>
-          </p:cNvSpPr>
+          </a:p>
+        </p:txBody>
+      </p:sp>
+      <p:pic>
+        <p:nvPicPr>
+          <p:cNvPr id="4" name="Объект 3"/>
+          <p:cNvPicPr>
+            <a:picLocks noGrp="1" noChangeAspect="1"/>
+          </p:cNvPicPr>
           <p:nvPr>
             <p:ph idx="1"/>
           </p:nvPr>
-        </p:nvSpPr>
-        <p:spPr/>
-        <p:txBody>
-          <a:bodyPr>
-            <a:normAutofit fontScale="92500" lnSpcReduction="10000"/>
-          </a:bodyPr>
-          <a:lstStyle/>
-          <a:p>
-            <a:pPr marL="0" indent="0">
-              <a:buNone/>
-            </a:pPr>
-            <a:r>
-              <a:rPr lang="ru-RU" dirty="0" smtClean="0"/>
-              <a:t>Выбранные технологии:</a:t>
-            </a:r>
-          </a:p>
-          <a:p>
-            <a:r>
-              <a:rPr lang="en-US" dirty="0" smtClean="0"/>
-              <a:t>Android SDK</a:t>
-            </a:r>
-          </a:p>
-          <a:p>
-            <a:r>
-              <a:rPr lang="en-US" dirty="0" smtClean="0"/>
-              <a:t>OS Android 4.4(API -14)</a:t>
-            </a:r>
-          </a:p>
-          <a:p>
-            <a:r>
-              <a:rPr lang="ru-RU" dirty="0" smtClean="0"/>
-              <a:t>Язык клиентской части- </a:t>
-            </a:r>
-            <a:r>
-              <a:rPr lang="en-US" dirty="0" smtClean="0"/>
-              <a:t>Java</a:t>
-            </a:r>
-            <a:endParaRPr lang="ru-RU" dirty="0" smtClean="0"/>
-          </a:p>
-          <a:p>
-            <a:r>
-              <a:rPr lang="ru-RU" dirty="0" smtClean="0"/>
-              <a:t>Взаимодействие с внешними </a:t>
-            </a:r>
-            <a:r>
-              <a:rPr lang="en-US" dirty="0" smtClean="0"/>
-              <a:t>API</a:t>
-            </a:r>
-            <a:r>
-              <a:rPr lang="ru-RU" dirty="0" smtClean="0"/>
-              <a:t> сервисами с помощью библиотеки </a:t>
-            </a:r>
-            <a:r>
-              <a:rPr lang="en-US" dirty="0" smtClean="0"/>
-              <a:t>Volley</a:t>
-            </a:r>
-            <a:r>
-              <a:rPr lang="ru-RU" dirty="0" smtClean="0"/>
-              <a:t> </a:t>
-            </a:r>
-            <a:endParaRPr lang="en-US" dirty="0" smtClean="0"/>
-          </a:p>
-          <a:p>
-            <a:r>
-              <a:rPr lang="ru-RU" dirty="0"/>
-              <a:t>Язык сервер части –</a:t>
-            </a:r>
-            <a:r>
-              <a:rPr lang="en-US" dirty="0"/>
-              <a:t>Python </a:t>
-            </a:r>
-          </a:p>
-          <a:p>
-            <a:r>
-              <a:rPr lang="ru-RU" dirty="0" smtClean="0"/>
-              <a:t>Используются библиотека </a:t>
-            </a:r>
-            <a:r>
-              <a:rPr lang="en-US" dirty="0" err="1" smtClean="0"/>
-              <a:t>FastAPI</a:t>
-            </a:r>
-            <a:r>
-              <a:rPr lang="en-US" dirty="0" smtClean="0"/>
-              <a:t> </a:t>
-            </a:r>
-            <a:r>
-              <a:rPr lang="ru-RU" dirty="0" smtClean="0"/>
-              <a:t>и </a:t>
-            </a:r>
-            <a:r>
-              <a:rPr lang="en-US" dirty="0" smtClean="0"/>
-              <a:t>Peewee(</a:t>
-            </a:r>
-            <a:r>
-              <a:rPr lang="ru-RU" dirty="0" smtClean="0"/>
-              <a:t>для взаимодействия с БД</a:t>
-            </a:r>
-            <a:r>
-              <a:rPr lang="en-US" dirty="0" smtClean="0"/>
-              <a:t>)</a:t>
-            </a:r>
-            <a:endParaRPr lang="en-US" dirty="0"/>
-          </a:p>
-          <a:p>
-            <a:r>
-              <a:rPr lang="ru-RU" dirty="0" smtClean="0"/>
-              <a:t>СУБД – </a:t>
-            </a:r>
-            <a:r>
-              <a:rPr lang="en-US" dirty="0" smtClean="0"/>
-              <a:t>SQLite</a:t>
-            </a:r>
-          </a:p>
-          <a:p>
-            <a:r>
-              <a:rPr lang="ru-RU" dirty="0" smtClean="0"/>
-              <a:t>Сервер поднят на хостинге «</a:t>
-            </a:r>
-            <a:r>
-              <a:rPr lang="en-US" dirty="0" smtClean="0"/>
-              <a:t>D</a:t>
-            </a:r>
-            <a:r>
-              <a:rPr lang="en-GB" dirty="0" err="1" smtClean="0"/>
-              <a:t>igital</a:t>
-            </a:r>
-            <a:r>
-              <a:rPr lang="en-GB" dirty="0" smtClean="0"/>
-              <a:t> ocean</a:t>
-            </a:r>
-            <a:r>
-              <a:rPr lang="ru-RU" dirty="0" smtClean="0"/>
-              <a:t>»</a:t>
-            </a:r>
-          </a:p>
-          <a:p>
+        </p:nvPicPr>
+        <p:blipFill>
+          <a:blip r:embed="rId2">
+            <a:extLst>
+              <a:ext uri="{28A0092B-C50C-407E-A947-70E740481C1C}">
+                <a14:useLocalDpi xmlns:a14="http://schemas.microsoft.com/office/drawing/2010/main" val="0"/>
+              </a:ext>
+            </a:extLst>
+          </a:blip>
+          <a:stretch>
+            <a:fillRect/>
+          </a:stretch>
+        </p:blipFill>
+        <p:spPr>
+          <a:xfrm>
+            <a:off x="155620" y="2434107"/>
+            <a:ext cx="10966192" cy="2163650"/>
+          </a:xfrm>
+        </p:spPr>
+      </p:pic>
+      <p:sp>
+        <p:nvSpPr>
+          <p:cNvPr id="3" name="Номер слайда 2"/>
+          <p:cNvSpPr>
+            <a:spLocks noGrp="1"/>
+          </p:cNvSpPr>
+          <p:nvPr>
+            <p:ph type="sldNum" sz="quarter" idx="12"/>
+          </p:nvPr>
+        </p:nvSpPr>
+        <p:spPr/>
+        <p:txBody>
+          <a:bodyPr/>
+          <a:lstStyle/>
+          <a:p>
+            <a:fld id="{41D38445-233B-4E88-98F3-826CC3B1C728}" type="slidenum">
+              <a:rPr lang="ru-RU" sz="2000" smtClean="0"/>
+              <a:t>8</a:t>
+            </a:fld>
             <a:endParaRPr lang="ru-RU" dirty="0"/>
           </a:p>
         </p:txBody>
@@ -5160,13 +6660,20 @@
     </p:spTree>
     <p:extLst>
       <p:ext uri="{BB962C8B-B14F-4D97-AF65-F5344CB8AC3E}">
-        <p14:creationId xmlns:p14="http://schemas.microsoft.com/office/powerpoint/2010/main" val="1263031265"/>
+        <p14:creationId xmlns:p14="http://schemas.microsoft.com/office/powerpoint/2010/main" val="1511622702"/>
       </p:ext>
     </p:extLst>
   </p:cSld>
   <p:clrMapOvr>
     <a:masterClrMapping/>
   </p:clrMapOvr>
+  <p:timing>
+    <p:tnLst>
+      <p:par>
+        <p:cTn id="1" dur="indefinite" restart="never" nodeType="tmRoot"/>
+      </p:par>
+    </p:tnLst>
+  </p:timing>
 </p:sld>
 </file>
 
@@ -5238,6 +6745,52 @@
           </a:p>
         </p:txBody>
       </p:sp>
+      <p:pic>
+        <p:nvPicPr>
+          <p:cNvPr id="4" name="Рисунок 3"/>
+          <p:cNvPicPr>
+            <a:picLocks noChangeAspect="1"/>
+          </p:cNvPicPr>
+          <p:nvPr/>
+        </p:nvPicPr>
+        <p:blipFill rotWithShape="1">
+          <a:blip r:embed="rId2"/>
+          <a:srcRect l="-1" t="9558" r="71" b="14161"/>
+          <a:stretch/>
+        </p:blipFill>
+        <p:spPr>
+          <a:xfrm>
+            <a:off x="0" y="1386883"/>
+            <a:ext cx="12183414" cy="5228822"/>
+          </a:xfrm>
+          <a:prstGeom prst="rect">
+            <a:avLst/>
+          </a:prstGeom>
+        </p:spPr>
+      </p:pic>
+      <p:sp>
+        <p:nvSpPr>
+          <p:cNvPr id="5" name="Номер слайда 4"/>
+          <p:cNvSpPr>
+            <a:spLocks noGrp="1"/>
+          </p:cNvSpPr>
+          <p:nvPr>
+            <p:ph type="sldNum" sz="quarter" idx="12"/>
+          </p:nvPr>
+        </p:nvSpPr>
+        <p:spPr/>
+        <p:txBody>
+          <a:bodyPr/>
+          <a:lstStyle/>
+          <a:p>
+            <a:fld id="{41D38445-233B-4E88-98F3-826CC3B1C728}" type="slidenum">
+              <a:rPr lang="ru-RU" sz="2000" smtClean="0"/>
+              <a:t>9</a:t>
+            </a:fld>
+            <a:endParaRPr lang="ru-RU" dirty="0"/>
+          </a:p>
+        </p:txBody>
+      </p:sp>
     </p:spTree>
     <p:extLst>
       <p:ext uri="{BB962C8B-B14F-4D97-AF65-F5344CB8AC3E}">
@@ -5248,6 +6801,13 @@
   <p:clrMapOvr>
     <a:masterClrMapping/>
   </p:clrMapOvr>
+  <p:timing>
+    <p:tnLst>
+      <p:par>
+        <p:cTn id="1" dur="indefinite" restart="never" nodeType="tmRoot"/>
+      </p:par>
+    </p:tnLst>
+  </p:timing>
 </p:sld>
 </file>
 
@@ -5510,4 +7070,265 @@
     </a:ext>
   </a:extLst>
 </a:theme>
+</file>
+
+<file path=ppt/theme/theme2.xml><?xml version="1.0" encoding="utf-8"?>
+<a:theme xmlns:a="http://schemas.openxmlformats.org/drawingml/2006/main" name="Тема Office">
+  <a:themeElements>
+    <a:clrScheme name="Стандартная">
+      <a:dk1>
+        <a:sysClr val="windowText" lastClr="000000"/>
+      </a:dk1>
+      <a:lt1>
+        <a:sysClr val="window" lastClr="FFFFFF"/>
+      </a:lt1>
+      <a:dk2>
+        <a:srgbClr val="44546A"/>
+      </a:dk2>
+      <a:lt2>
+        <a:srgbClr val="E7E6E6"/>
+      </a:lt2>
+      <a:accent1>
+        <a:srgbClr val="5B9BD5"/>
+      </a:accent1>
+      <a:accent2>
+        <a:srgbClr val="ED7D31"/>
+      </a:accent2>
+      <a:accent3>
+        <a:srgbClr val="A5A5A5"/>
+      </a:accent3>
+      <a:accent4>
+        <a:srgbClr val="FFC000"/>
+      </a:accent4>
+      <a:accent5>
+        <a:srgbClr val="4472C4"/>
+      </a:accent5>
+      <a:accent6>
+        <a:srgbClr val="70AD47"/>
+      </a:accent6>
+      <a:hlink>
+        <a:srgbClr val="0563C1"/>
+      </a:hlink>
+      <a:folHlink>
+        <a:srgbClr val="954F72"/>
+      </a:folHlink>
+    </a:clrScheme>
+    <a:fontScheme name="Стандартная">
+      <a:majorFont>
+        <a:latin typeface="Calibri Light" panose="020F0302020204030204"/>
+        <a:ea typeface=""/>
+        <a:cs typeface=""/>
+        <a:font script="Jpan" typeface="ＭＳ Ｐゴシック"/>
+        <a:font script="Hang" typeface="맑은 고딕"/>
+        <a:font script="Hans" typeface="宋体"/>
+        <a:font script="Hant" typeface="新細明體"/>
+        <a:font script="Arab" typeface="Times New Roman"/>
+        <a:font script="Hebr" typeface="Times New Roman"/>
+        <a:font script="Thai" typeface="Angsana New"/>
+        <a:font script="Ethi" typeface="Nyala"/>
+        <a:font script="Beng" typeface="Vrinda"/>
+        <a:font script="Gujr" typeface="Shruti"/>
+        <a:font script="Khmr" typeface="MoolBoran"/>
+        <a:font script="Knda" typeface="Tunga"/>
+        <a:font script="Guru" typeface="Raavi"/>
+        <a:font script="Cans" typeface="Euphemia"/>
+        <a:font script="Cher" typeface="Plantagenet Cherokee"/>
+        <a:font script="Yiii" typeface="Microsoft Yi Baiti"/>
+        <a:font script="Tibt" typeface="Microsoft Himalaya"/>
+        <a:font script="Thaa" typeface="MV Boli"/>
+        <a:font script="Deva" typeface="Mangal"/>
+        <a:font script="Telu" typeface="Gautami"/>
+        <a:font script="Taml" typeface="Latha"/>
+        <a:font script="Syrc" typeface="Estrangelo Edessa"/>
+        <a:font script="Orya" typeface="Kalinga"/>
+        <a:font script="Mlym" typeface="Kartika"/>
+        <a:font script="Laoo" typeface="DokChampa"/>
+        <a:font script="Sinh" typeface="Iskoola Pota"/>
+        <a:font script="Mong" typeface="Mongolian Baiti"/>
+        <a:font script="Viet" typeface="Times New Roman"/>
+        <a:font script="Uigh" typeface="Microsoft Uighur"/>
+        <a:font script="Geor" typeface="Sylfaen"/>
+      </a:majorFont>
+      <a:minorFont>
+        <a:latin typeface="Calibri" panose="020F0502020204030204"/>
+        <a:ea typeface=""/>
+        <a:cs typeface=""/>
+        <a:font script="Jpan" typeface="ＭＳ Ｐゴシック"/>
+        <a:font script="Hang" typeface="맑은 고딕"/>
+        <a:font script="Hans" typeface="宋体"/>
+        <a:font script="Hant" typeface="新細明體"/>
+        <a:font script="Arab" typeface="Arial"/>
+        <a:font script="Hebr" typeface="Arial"/>
+        <a:font script="Thai" typeface="Cordia New"/>
+        <a:font script="Ethi" typeface="Nyala"/>
+        <a:font script="Beng" typeface="Vrinda"/>
+        <a:font script="Gujr" typeface="Shruti"/>
+        <a:font script="Khmr" typeface="DaunPenh"/>
+        <a:font script="Knda" typeface="Tunga"/>
+        <a:font script="Guru" typeface="Raavi"/>
+        <a:font script="Cans" typeface="Euphemia"/>
+        <a:font script="Cher" typeface="Plantagenet Cherokee"/>
+        <a:font script="Yiii" typeface="Microsoft Yi Baiti"/>
+        <a:font script="Tibt" typeface="Microsoft Himalaya"/>
+        <a:font script="Thaa" typeface="MV Boli"/>
+        <a:font script="Deva" typeface="Mangal"/>
+        <a:font script="Telu" typeface="Gautami"/>
+        <a:font script="Taml" typeface="Latha"/>
+        <a:font script="Syrc" typeface="Estrangelo Edessa"/>
+        <a:font script="Orya" typeface="Kalinga"/>
+        <a:font script="Mlym" typeface="Kartika"/>
+        <a:font script="Laoo" typeface="DokChampa"/>
+        <a:font script="Sinh" typeface="Iskoola Pota"/>
+        <a:font script="Mong" typeface="Mongolian Baiti"/>
+        <a:font script="Viet" typeface="Arial"/>
+        <a:font script="Uigh" typeface="Microsoft Uighur"/>
+        <a:font script="Geor" typeface="Sylfaen"/>
+      </a:minorFont>
+    </a:fontScheme>
+    <a:fmtScheme name="Стандартная">
+      <a:fillStyleLst>
+        <a:solidFill>
+          <a:schemeClr val="phClr"/>
+        </a:solidFill>
+        <a:gradFill rotWithShape="1">
+          <a:gsLst>
+            <a:gs pos="0">
+              <a:schemeClr val="phClr">
+                <a:lumMod val="110000"/>
+                <a:satMod val="105000"/>
+                <a:tint val="67000"/>
+              </a:schemeClr>
+            </a:gs>
+            <a:gs pos="50000">
+              <a:schemeClr val="phClr">
+                <a:lumMod val="105000"/>
+                <a:satMod val="103000"/>
+                <a:tint val="73000"/>
+              </a:schemeClr>
+            </a:gs>
+            <a:gs pos="100000">
+              <a:schemeClr val="phClr">
+                <a:lumMod val="105000"/>
+                <a:satMod val="109000"/>
+                <a:tint val="81000"/>
+              </a:schemeClr>
+            </a:gs>
+          </a:gsLst>
+          <a:lin ang="5400000" scaled="0"/>
+        </a:gradFill>
+        <a:gradFill rotWithShape="1">
+          <a:gsLst>
+            <a:gs pos="0">
+              <a:schemeClr val="phClr">
+                <a:satMod val="103000"/>
+                <a:lumMod val="102000"/>
+                <a:tint val="94000"/>
+              </a:schemeClr>
+            </a:gs>
+            <a:gs pos="50000">
+              <a:schemeClr val="phClr">
+                <a:satMod val="110000"/>
+                <a:lumMod val="100000"/>
+                <a:shade val="100000"/>
+              </a:schemeClr>
+            </a:gs>
+            <a:gs pos="100000">
+              <a:schemeClr val="phClr">
+                <a:lumMod val="99000"/>
+                <a:satMod val="120000"/>
+                <a:shade val="78000"/>
+              </a:schemeClr>
+            </a:gs>
+          </a:gsLst>
+          <a:lin ang="5400000" scaled="0"/>
+        </a:gradFill>
+      </a:fillStyleLst>
+      <a:lnStyleLst>
+        <a:ln w="6350" cap="flat" cmpd="sng" algn="ctr">
+          <a:solidFill>
+            <a:schemeClr val="phClr"/>
+          </a:solidFill>
+          <a:prstDash val="solid"/>
+          <a:miter lim="800000"/>
+        </a:ln>
+        <a:ln w="12700" cap="flat" cmpd="sng" algn="ctr">
+          <a:solidFill>
+            <a:schemeClr val="phClr"/>
+          </a:solidFill>
+          <a:prstDash val="solid"/>
+          <a:miter lim="800000"/>
+        </a:ln>
+        <a:ln w="19050" cap="flat" cmpd="sng" algn="ctr">
+          <a:solidFill>
+            <a:schemeClr val="phClr"/>
+          </a:solidFill>
+          <a:prstDash val="solid"/>
+          <a:miter lim="800000"/>
+        </a:ln>
+      </a:lnStyleLst>
+      <a:effectStyleLst>
+        <a:effectStyle>
+          <a:effectLst/>
+        </a:effectStyle>
+        <a:effectStyle>
+          <a:effectLst/>
+        </a:effectStyle>
+        <a:effectStyle>
+          <a:effectLst>
+            <a:outerShdw blurRad="57150" dist="19050" dir="5400000" algn="ctr" rotWithShape="0">
+              <a:srgbClr val="000000">
+                <a:alpha val="63000"/>
+              </a:srgbClr>
+            </a:outerShdw>
+          </a:effectLst>
+        </a:effectStyle>
+      </a:effectStyleLst>
+      <a:bgFillStyleLst>
+        <a:solidFill>
+          <a:schemeClr val="phClr"/>
+        </a:solidFill>
+        <a:solidFill>
+          <a:schemeClr val="phClr">
+            <a:tint val="95000"/>
+            <a:satMod val="170000"/>
+          </a:schemeClr>
+        </a:solidFill>
+        <a:gradFill rotWithShape="1">
+          <a:gsLst>
+            <a:gs pos="0">
+              <a:schemeClr val="phClr">
+                <a:tint val="93000"/>
+                <a:satMod val="150000"/>
+                <a:shade val="98000"/>
+                <a:lumMod val="102000"/>
+              </a:schemeClr>
+            </a:gs>
+            <a:gs pos="50000">
+              <a:schemeClr val="phClr">
+                <a:tint val="98000"/>
+                <a:satMod val="130000"/>
+                <a:shade val="90000"/>
+                <a:lumMod val="103000"/>
+              </a:schemeClr>
+            </a:gs>
+            <a:gs pos="100000">
+              <a:schemeClr val="phClr">
+                <a:shade val="63000"/>
+                <a:satMod val="120000"/>
+              </a:schemeClr>
+            </a:gs>
+          </a:gsLst>
+          <a:lin ang="5400000" scaled="0"/>
+        </a:gradFill>
+      </a:bgFillStyleLst>
+    </a:fmtScheme>
+  </a:themeElements>
+  <a:objectDefaults/>
+  <a:extraClrSchemeLst/>
+  <a:extLst>
+    <a:ext uri="{05A4C25C-085E-4340-85A3-A5531E510DB2}">
+      <thm15:themeFamily xmlns:thm15="http://schemas.microsoft.com/office/thememl/2012/main" name="Office Theme" id="{62F939B6-93AF-4DB8-9C6B-D6C7DFDC589F}" vid="{4A3C46E8-61CC-4603-A589-7422A47A8E4A}"/>
+    </a:ext>
+  </a:extLst>
+</a:theme>
 </file>
--- a/Документация/Презентация.pptx
+++ b/Документация/Презентация.pptx
@@ -236,7 +236,7 @@
           <a:p>
             <a:fld id="{C4766771-ACE0-4871-B10F-06B99850B214}" type="datetimeFigureOut">
               <a:rPr lang="ru-RU" smtClean="0"/>
-              <a:t>06.06.2019</a:t>
+              <a:t>07.06.2019</a:t>
             </a:fld>
             <a:endParaRPr lang="ru-RU"/>
           </a:p>
@@ -803,7 +803,7 @@
           <a:p>
             <a:fld id="{C2EA30E1-D7BB-4016-962F-DC66739895B5}" type="datetime1">
               <a:rPr lang="ru-RU" smtClean="0"/>
-              <a:t>06.06.2019</a:t>
+              <a:t>07.06.2019</a:t>
             </a:fld>
             <a:endParaRPr lang="ru-RU"/>
           </a:p>
@@ -973,7 +973,7 @@
           <a:p>
             <a:fld id="{B162AA68-CCC6-4441-A2F9-4EAAEE55455C}" type="datetime1">
               <a:rPr lang="ru-RU" smtClean="0"/>
-              <a:t>06.06.2019</a:t>
+              <a:t>07.06.2019</a:t>
             </a:fld>
             <a:endParaRPr lang="ru-RU"/>
           </a:p>
@@ -1153,7 +1153,7 @@
           <a:p>
             <a:fld id="{3D5F0F1C-79D2-48A4-A8DC-EB16E75ED6F2}" type="datetime1">
               <a:rPr lang="ru-RU" smtClean="0"/>
-              <a:t>06.06.2019</a:t>
+              <a:t>07.06.2019</a:t>
             </a:fld>
             <a:endParaRPr lang="ru-RU"/>
           </a:p>
@@ -1323,7 +1323,7 @@
           <a:p>
             <a:fld id="{3D834187-8061-4060-AF0E-0BF9C3B269E1}" type="datetime1">
               <a:rPr lang="ru-RU" smtClean="0"/>
-              <a:t>06.06.2019</a:t>
+              <a:t>07.06.2019</a:t>
             </a:fld>
             <a:endParaRPr lang="ru-RU"/>
           </a:p>
@@ -1569,7 +1569,7 @@
           <a:p>
             <a:fld id="{67704A8E-4FD5-40F4-9844-42528FBE8BC8}" type="datetime1">
               <a:rPr lang="ru-RU" smtClean="0"/>
-              <a:t>06.06.2019</a:t>
+              <a:t>07.06.2019</a:t>
             </a:fld>
             <a:endParaRPr lang="ru-RU"/>
           </a:p>
@@ -1801,7 +1801,7 @@
           <a:p>
             <a:fld id="{B4622B05-2CC5-4CD8-AA9F-9DE40EE1056A}" type="datetime1">
               <a:rPr lang="ru-RU" smtClean="0"/>
-              <a:t>06.06.2019</a:t>
+              <a:t>07.06.2019</a:t>
             </a:fld>
             <a:endParaRPr lang="ru-RU"/>
           </a:p>
@@ -2168,7 +2168,7 @@
           <a:p>
             <a:fld id="{27A3E7B5-EF5E-4E36-853C-F737E0439D3E}" type="datetime1">
               <a:rPr lang="ru-RU" smtClean="0"/>
-              <a:t>06.06.2019</a:t>
+              <a:t>07.06.2019</a:t>
             </a:fld>
             <a:endParaRPr lang="ru-RU"/>
           </a:p>
@@ -2286,7 +2286,7 @@
           <a:p>
             <a:fld id="{86A6E878-A74D-47B3-A262-4FFDDEA31C27}" type="datetime1">
               <a:rPr lang="ru-RU" smtClean="0"/>
-              <a:t>06.06.2019</a:t>
+              <a:t>07.06.2019</a:t>
             </a:fld>
             <a:endParaRPr lang="ru-RU"/>
           </a:p>
@@ -2381,7 +2381,7 @@
           <a:p>
             <a:fld id="{72FFA6E4-9C9D-43E6-834F-7C9792CF6261}" type="datetime1">
               <a:rPr lang="ru-RU" smtClean="0"/>
-              <a:t>06.06.2019</a:t>
+              <a:t>07.06.2019</a:t>
             </a:fld>
             <a:endParaRPr lang="ru-RU"/>
           </a:p>
@@ -2658,7 +2658,7 @@
           <a:p>
             <a:fld id="{CEFA41C2-ECAD-45E3-A850-94D727B116CF}" type="datetime1">
               <a:rPr lang="ru-RU" smtClean="0"/>
-              <a:t>06.06.2019</a:t>
+              <a:t>07.06.2019</a:t>
             </a:fld>
             <a:endParaRPr lang="ru-RU"/>
           </a:p>
@@ -2911,7 +2911,7 @@
           <a:p>
             <a:fld id="{5403A9A0-E564-4709-B568-927EABB208C1}" type="datetime1">
               <a:rPr lang="ru-RU" smtClean="0"/>
-              <a:t>06.06.2019</a:t>
+              <a:t>07.06.2019</a:t>
             </a:fld>
             <a:endParaRPr lang="ru-RU"/>
           </a:p>
@@ -3124,7 +3124,7 @@
           <a:p>
             <a:fld id="{DC70214D-7E33-40DD-82F7-74096B1D4234}" type="datetime1">
               <a:rPr lang="ru-RU" smtClean="0"/>
-              <a:t>06.06.2019</a:t>
+              <a:t>07.06.2019</a:t>
             </a:fld>
             <a:endParaRPr lang="ru-RU"/>
           </a:p>
@@ -3592,11 +3592,7 @@
             <a:pPr algn="r"/>
             <a:r>
               <a:rPr lang="ru-RU" dirty="0" smtClean="0"/>
-              <a:t>Выполнили: Добрынина </a:t>
-            </a:r>
-            <a:r>
-              <a:rPr lang="ru-RU" dirty="0" smtClean="0"/>
-              <a:t>Елизавета Алексеевна</a:t>
+              <a:t>Выполнили: Добрынина Елизавета Алексеевна</a:t>
             </a:r>
             <a:br>
               <a:rPr lang="ru-RU" dirty="0" smtClean="0"/>
@@ -3607,11 +3603,7 @@
             </a:r>
             <a:r>
               <a:rPr lang="ru-RU" dirty="0" smtClean="0"/>
-              <a:t> Юлия </a:t>
-            </a:r>
-            <a:r>
-              <a:rPr lang="ru-RU" dirty="0" smtClean="0"/>
-              <a:t>Евгеньевна</a:t>
+              <a:t> Юлия Евгеньевна</a:t>
             </a:r>
           </a:p>
           <a:p>
@@ -3764,7 +3756,22 @@
           <a:p>
             <a:r>
               <a:rPr lang="ru-RU" dirty="0" smtClean="0"/>
-              <a:t>Анализ предметной области</a:t>
+              <a:t>Анализ предметной </a:t>
+            </a:r>
+            <a:r>
+              <a:rPr lang="ru-RU" dirty="0" smtClean="0"/>
+              <a:t>области</a:t>
+            </a:r>
+            <a:r>
+              <a:rPr lang="en-US" dirty="0" smtClean="0"/>
+              <a:t/>
+            </a:r>
+            <a:br>
+              <a:rPr lang="en-US" dirty="0" smtClean="0"/>
+            </a:br>
+            <a:r>
+              <a:rPr lang="ru-RU" dirty="0" smtClean="0"/>
+              <a:t>Пример запроса</a:t>
             </a:r>
             <a:endParaRPr lang="ru-RU" dirty="0"/>
           </a:p>
@@ -5099,11 +5106,7 @@
             <a:pPr algn="r"/>
             <a:r>
               <a:rPr lang="ru-RU" dirty="0" smtClean="0"/>
-              <a:t>Выполнили: Добрынина </a:t>
-            </a:r>
-            <a:r>
-              <a:rPr lang="ru-RU" dirty="0" smtClean="0"/>
-              <a:t>Елизавета Алексеевна</a:t>
+              <a:t>Выполнили: Добрынина Елизавета Алексеевна</a:t>
             </a:r>
             <a:br>
               <a:rPr lang="ru-RU" dirty="0" smtClean="0"/>
@@ -5114,11 +5117,7 @@
             </a:r>
             <a:r>
               <a:rPr lang="ru-RU" dirty="0" smtClean="0"/>
-              <a:t> Юлия </a:t>
-            </a:r>
-            <a:r>
-              <a:rPr lang="ru-RU" dirty="0" smtClean="0"/>
-              <a:t>Евгеньевна</a:t>
+              <a:t> Юлия Евгеньевна</a:t>
             </a:r>
           </a:p>
           <a:p>
@@ -5770,23 +5769,14 @@
           <a:p>
             <a:r>
               <a:rPr lang="ru-RU" dirty="0" smtClean="0"/>
-              <a:t>Удобный </a:t>
-            </a:r>
+              <a:t>Удобный просмотр</a:t>
+            </a:r>
+          </a:p>
+          <a:p>
             <a:r>
               <a:rPr lang="ru-RU" dirty="0" smtClean="0"/>
-              <a:t>просмотр</a:t>
-            </a:r>
-          </a:p>
-          <a:p>
-            <a:r>
-              <a:rPr lang="ru-RU" dirty="0" smtClean="0"/>
-              <a:t>Возможность получения отчёта для анализа </a:t>
-            </a:r>
-            <a:r>
-              <a:rPr lang="ru-RU" dirty="0" smtClean="0"/>
-              <a:t>финансов</a:t>
-            </a:r>
-            <a:endParaRPr lang="ru-RU" dirty="0" smtClean="0"/>
+              <a:t>Возможность получения отчёта для анализа финансов</a:t>
+            </a:r>
           </a:p>
         </p:txBody>
       </p:sp>
@@ -5912,15 +5902,7 @@
           <a:p>
             <a:r>
               <a:rPr lang="ru-RU" dirty="0" smtClean="0"/>
-              <a:t>Добавлять</a:t>
-            </a:r>
-            <a:r>
-              <a:rPr lang="ru-RU" dirty="0" smtClean="0"/>
-              <a:t>, изменять, удалять </a:t>
-            </a:r>
-            <a:r>
-              <a:rPr lang="ru-RU" dirty="0" smtClean="0"/>
-              <a:t>категории расходов</a:t>
+              <a:t>Добавлять, изменять, удалять категории расходов</a:t>
             </a:r>
           </a:p>
           <a:p>
@@ -5932,19 +5914,7 @@
           <a:p>
             <a:r>
               <a:rPr lang="ru-RU" dirty="0" smtClean="0"/>
-              <a:t>Добавлять</a:t>
-            </a:r>
-            <a:r>
-              <a:rPr lang="ru-RU" dirty="0" smtClean="0"/>
-              <a:t>, изменять, удалять </a:t>
-            </a:r>
-            <a:r>
-              <a:rPr lang="ru-RU" dirty="0" smtClean="0"/>
-              <a:t>записи о </a:t>
-            </a:r>
-            <a:r>
-              <a:rPr lang="ru-RU" dirty="0" smtClean="0"/>
-              <a:t>расходах</a:t>
+              <a:t>Добавлять, изменять, удалять записи о расходах</a:t>
             </a:r>
           </a:p>
           <a:p>
@@ -5960,7 +5930,6 @@
               <a:rPr lang="ru-RU" dirty="0" smtClean="0"/>
               <a:t>категории</a:t>
             </a:r>
-            <a:endParaRPr lang="ru-RU" dirty="0" smtClean="0"/>
           </a:p>
           <a:p>
             <a:r>
@@ -6083,23 +6052,28 @@
           </a:p>
           <a:p>
             <a:r>
-              <a:rPr lang="ru-RU" dirty="0"/>
-              <a:t>Удобство использования</a:t>
-            </a:r>
-          </a:p>
-          <a:p>
-            <a:r>
               <a:rPr lang="ru-RU" dirty="0" smtClean="0"/>
-              <a:t>Стильный дизайн</a:t>
-            </a:r>
+              <a:t>Корректная обработка аварийных ситуаций </a:t>
+            </a:r>
+          </a:p>
+          <a:p>
+            <a:r>
+              <a:rPr lang="ru-RU" dirty="0" smtClean="0"/>
+              <a:t>Удобство использования	</a:t>
+            </a:r>
+            <a:endParaRPr lang="ru-RU" dirty="0"/>
           </a:p>
           <a:p>
             <a:pPr marL="0" indent="0">
               <a:buNone/>
             </a:pPr>
             <a:r>
+              <a:rPr lang="ru-RU" b="1" dirty="0" smtClean="0"/>
+              <a:t>Требования </a:t>
+            </a:r>
+            <a:r>
               <a:rPr lang="ru-RU" b="1" dirty="0"/>
-              <a:t>Требования к архитектурному решению</a:t>
+              <a:t>к архитектурному решению</a:t>
             </a:r>
           </a:p>
           <a:p>
@@ -6107,7 +6081,6 @@
               <a:rPr lang="ru-RU" dirty="0" smtClean="0"/>
               <a:t>Клиент-серверное приложение </a:t>
             </a:r>
-            <a:endParaRPr lang="ru-RU" dirty="0" smtClean="0"/>
           </a:p>
           <a:p>
             <a:r>
@@ -6353,37 +6326,39 @@
           <a:p>
             <a:r>
               <a:rPr lang="ru-RU" dirty="0" smtClean="0"/>
-              <a:t>Анализ предметной области</a:t>
-            </a:r>
-            <a:endParaRPr lang="ru-RU" dirty="0"/>
-          </a:p>
-        </p:txBody>
-      </p:sp>
-      <p:sp>
-        <p:nvSpPr>
-          <p:cNvPr id="3" name="Объект 2"/>
-          <p:cNvSpPr>
-            <a:spLocks noGrp="1"/>
-          </p:cNvSpPr>
-          <p:nvPr>
-            <p:ph idx="1"/>
-          </p:nvPr>
-        </p:nvSpPr>
-        <p:spPr/>
-        <p:txBody>
-          <a:bodyPr>
-            <a:normAutofit lnSpcReduction="10000"/>
-          </a:bodyPr>
-          <a:lstStyle/>
-          <a:p>
-            <a:pPr marL="0" indent="0">
-              <a:buNone/>
-            </a:pPr>
+              <a:t>Анализ предметной </a:t>
+            </a:r>
+            <a:r>
+              <a:rPr lang="ru-RU" dirty="0" smtClean="0"/>
+              <a:t>области</a:t>
+            </a:r>
+            <a:br>
+              <a:rPr lang="ru-RU" dirty="0" smtClean="0"/>
+            </a:br>
             <a:r>
               <a:rPr lang="ru-RU" dirty="0" smtClean="0"/>
               <a:t>Выбранные технологии:</a:t>
             </a:r>
-          </a:p>
+            <a:endParaRPr lang="ru-RU" dirty="0"/>
+          </a:p>
+        </p:txBody>
+      </p:sp>
+      <p:sp>
+        <p:nvSpPr>
+          <p:cNvPr id="3" name="Объект 2"/>
+          <p:cNvSpPr>
+            <a:spLocks noGrp="1"/>
+          </p:cNvSpPr>
+          <p:nvPr>
+            <p:ph idx="1"/>
+          </p:nvPr>
+        </p:nvSpPr>
+        <p:spPr/>
+        <p:txBody>
+          <a:bodyPr>
+            <a:normAutofit/>
+          </a:bodyPr>
+          <a:lstStyle/>
           <a:p>
             <a:r>
               <a:rPr lang="en-US" dirty="0" smtClean="0"/>
@@ -6468,16 +6443,11 @@
               <a:rPr lang="en-US" dirty="0"/>
               <a:t>Peewee</a:t>
             </a:r>
-            <a:endParaRPr lang="en-US" dirty="0"/>
           </a:p>
           <a:p>
             <a:r>
               <a:rPr lang="ru-RU" dirty="0" smtClean="0"/>
-              <a:t>СУБД </a:t>
-            </a:r>
-            <a:r>
-              <a:rPr lang="ru-RU" dirty="0" smtClean="0"/>
-              <a:t>– </a:t>
+              <a:t>СУБД – </a:t>
             </a:r>
             <a:r>
               <a:rPr lang="en-US" dirty="0" smtClean="0"/>
@@ -6487,15 +6457,7 @@
           <a:p>
             <a:r>
               <a:rPr lang="ru-RU" dirty="0" smtClean="0"/>
-              <a:t>Сервер </a:t>
-            </a:r>
-            <a:r>
-              <a:rPr lang="ru-RU" dirty="0" smtClean="0"/>
-              <a:t>развернут на облачном </a:t>
-            </a:r>
-            <a:r>
-              <a:rPr lang="ru-RU" dirty="0" smtClean="0"/>
-              <a:t>хостинге «</a:t>
+              <a:t>Сервер развернут на облачном хостинге «</a:t>
             </a:r>
             <a:r>
               <a:rPr lang="en-US" dirty="0" smtClean="0"/>
@@ -6600,14 +6562,65 @@
           <a:p>
             <a:r>
               <a:rPr lang="ru-RU" dirty="0"/>
-              <a:t>Анализ предметной области</a:t>
-            </a:r>
+              <a:t>Анализ предметной </a:t>
+            </a:r>
+            <a:r>
+              <a:rPr lang="ru-RU" dirty="0" smtClean="0"/>
+              <a:t>области</a:t>
+            </a:r>
+            <a:br>
+              <a:rPr lang="ru-RU" dirty="0" smtClean="0"/>
+            </a:br>
+            <a:r>
+              <a:rPr lang="ru-RU" dirty="0" smtClean="0"/>
+              <a:t>Бизнес</a:t>
+            </a:r>
+            <a:r>
+              <a:rPr lang="ru-RU" dirty="0"/>
+              <a:t> </a:t>
+            </a:r>
+            <a:r>
+              <a:rPr lang="ru-RU" dirty="0" smtClean="0"/>
+              <a:t>логика</a:t>
+            </a:r>
+            <a:r>
+              <a:rPr lang="en-US" dirty="0" smtClean="0"/>
+              <a:t> </a:t>
+            </a:r>
+            <a:r>
+              <a:rPr lang="ru-RU" dirty="0" smtClean="0"/>
+              <a:t> на сервере</a:t>
+            </a:r>
+            <a:endParaRPr lang="ru-RU" dirty="0"/>
+          </a:p>
+        </p:txBody>
+      </p:sp>
+      <p:sp>
+        <p:nvSpPr>
+          <p:cNvPr id="3" name="Номер слайда 2"/>
+          <p:cNvSpPr>
+            <a:spLocks noGrp="1"/>
+          </p:cNvSpPr>
+          <p:nvPr>
+            <p:ph type="sldNum" sz="quarter" idx="12"/>
+          </p:nvPr>
+        </p:nvSpPr>
+        <p:spPr/>
+        <p:txBody>
+          <a:bodyPr/>
+          <a:lstStyle/>
+          <a:p>
+            <a:fld id="{41D38445-233B-4E88-98F3-826CC3B1C728}" type="slidenum">
+              <a:rPr lang="ru-RU" sz="2000" smtClean="0"/>
+              <a:t>8</a:t>
+            </a:fld>
+            <a:endParaRPr lang="ru-RU" dirty="0"/>
           </a:p>
         </p:txBody>
       </p:sp>
       <p:pic>
         <p:nvPicPr>
-          <p:cNvPr id="4" name="Объект 3"/>
+          <p:cNvPr id="6" name="Объект 5"/>
           <p:cNvPicPr>
             <a:picLocks noGrp="1" noChangeAspect="1"/>
           </p:cNvPicPr>
@@ -6629,34 +6642,11 @@
         </p:blipFill>
         <p:spPr>
           <a:xfrm>
-            <a:off x="155620" y="2434107"/>
-            <a:ext cx="10966192" cy="2163650"/>
+            <a:off x="0" y="2692479"/>
+            <a:ext cx="11022639" cy="2352944"/>
           </a:xfrm>
         </p:spPr>
       </p:pic>
-      <p:sp>
-        <p:nvSpPr>
-          <p:cNvPr id="3" name="Номер слайда 2"/>
-          <p:cNvSpPr>
-            <a:spLocks noGrp="1"/>
-          </p:cNvSpPr>
-          <p:nvPr>
-            <p:ph type="sldNum" sz="quarter" idx="12"/>
-          </p:nvPr>
-        </p:nvSpPr>
-        <p:spPr/>
-        <p:txBody>
-          <a:bodyPr/>
-          <a:lstStyle/>
-          <a:p>
-            <a:fld id="{41D38445-233B-4E88-98F3-826CC3B1C728}" type="slidenum">
-              <a:rPr lang="ru-RU" sz="2000" smtClean="0"/>
-              <a:t>8</a:t>
-            </a:fld>
-            <a:endParaRPr lang="ru-RU" dirty="0"/>
-          </a:p>
-        </p:txBody>
-      </p:sp>
     </p:spTree>
     <p:extLst>
       <p:ext uri="{BB962C8B-B14F-4D97-AF65-F5344CB8AC3E}">
@@ -6694,57 +6684,6 @@
           <a:chExt cx="0" cy="0"/>
         </a:xfrm>
       </p:grpSpPr>
-      <p:sp>
-        <p:nvSpPr>
-          <p:cNvPr id="2" name="Заголовок 1"/>
-          <p:cNvSpPr>
-            <a:spLocks noGrp="1"/>
-          </p:cNvSpPr>
-          <p:nvPr>
-            <p:ph type="title"/>
-          </p:nvPr>
-        </p:nvSpPr>
-        <p:spPr/>
-        <p:txBody>
-          <a:bodyPr/>
-          <a:lstStyle/>
-          <a:p>
-            <a:r>
-              <a:rPr lang="ru-RU" dirty="0" smtClean="0"/>
-              <a:t>Анализ предметной области</a:t>
-            </a:r>
-            <a:endParaRPr lang="ru-RU" dirty="0"/>
-          </a:p>
-        </p:txBody>
-      </p:sp>
-      <p:sp>
-        <p:nvSpPr>
-          <p:cNvPr id="3" name="Объект 2"/>
-          <p:cNvSpPr>
-            <a:spLocks noGrp="1"/>
-          </p:cNvSpPr>
-          <p:nvPr>
-            <p:ph idx="1"/>
-          </p:nvPr>
-        </p:nvSpPr>
-        <p:spPr/>
-        <p:txBody>
-          <a:bodyPr>
-            <a:normAutofit/>
-          </a:bodyPr>
-          <a:lstStyle/>
-          <a:p>
-            <a:pPr marL="0" indent="0">
-              <a:buNone/>
-            </a:pPr>
-            <a:r>
-              <a:rPr lang="ru-RU" dirty="0" smtClean="0"/>
-              <a:t> </a:t>
-            </a:r>
-            <a:endParaRPr lang="ru-RU" dirty="0"/>
-          </a:p>
-        </p:txBody>
-      </p:sp>
       <p:pic>
         <p:nvPicPr>
           <p:cNvPr id="4" name="Рисунок 3"/>
@@ -6768,6 +6707,73 @@
           </a:prstGeom>
         </p:spPr>
       </p:pic>
+      <p:sp>
+        <p:nvSpPr>
+          <p:cNvPr id="2" name="Заголовок 1"/>
+          <p:cNvSpPr>
+            <a:spLocks noGrp="1"/>
+          </p:cNvSpPr>
+          <p:nvPr>
+            <p:ph type="title"/>
+          </p:nvPr>
+        </p:nvSpPr>
+        <p:spPr>
+          <a:xfrm>
+            <a:off x="683654" y="159063"/>
+            <a:ext cx="10515600" cy="1325563"/>
+          </a:xfrm>
+        </p:spPr>
+        <p:txBody>
+          <a:bodyPr/>
+          <a:lstStyle/>
+          <a:p>
+            <a:r>
+              <a:rPr lang="ru-RU" dirty="0" smtClean="0"/>
+              <a:t>Анализ предметной </a:t>
+            </a:r>
+            <a:r>
+              <a:rPr lang="ru-RU" dirty="0" smtClean="0"/>
+              <a:t>области</a:t>
+            </a:r>
+            <a:br>
+              <a:rPr lang="ru-RU" dirty="0" smtClean="0"/>
+            </a:br>
+            <a:r>
+              <a:rPr lang="en-US" dirty="0" smtClean="0"/>
+              <a:t>Swagger</a:t>
+            </a:r>
+            <a:endParaRPr lang="ru-RU" dirty="0"/>
+          </a:p>
+        </p:txBody>
+      </p:sp>
+      <p:sp>
+        <p:nvSpPr>
+          <p:cNvPr id="3" name="Объект 2"/>
+          <p:cNvSpPr>
+            <a:spLocks noGrp="1"/>
+          </p:cNvSpPr>
+          <p:nvPr>
+            <p:ph idx="1"/>
+          </p:nvPr>
+        </p:nvSpPr>
+        <p:spPr/>
+        <p:txBody>
+          <a:bodyPr>
+            <a:normAutofit/>
+          </a:bodyPr>
+          <a:lstStyle/>
+          <a:p>
+            <a:pPr marL="0" indent="0">
+              <a:buNone/>
+            </a:pPr>
+            <a:r>
+              <a:rPr lang="ru-RU" dirty="0" smtClean="0"/>
+              <a:t> </a:t>
+            </a:r>
+            <a:endParaRPr lang="ru-RU" dirty="0"/>
+          </a:p>
+        </p:txBody>
+      </p:sp>
       <p:sp>
         <p:nvSpPr>
           <p:cNvPr id="5" name="Номер слайда 4"/>
